--- a/Disaster-Recovery_Weinb_5BHIT.pptx
+++ b/Disaster-Recovery_Weinb_5BHIT.pptx
@@ -5,17 +5,34 @@
     <p:sldMasterId id="2147483648" r:id="rId2"/>
   </p:sldMasterIdLst>
   <p:notesMasterIdLst>
-    <p:notesMasterId r:id="rId8"/>
+    <p:notesMasterId r:id="rId25"/>
   </p:notesMasterIdLst>
   <p:handoutMasterIdLst>
-    <p:handoutMasterId r:id="rId9"/>
+    <p:handoutMasterId r:id="rId26"/>
   </p:handoutMasterIdLst>
   <p:sldIdLst>
     <p:sldId id="267" r:id="rId3"/>
     <p:sldId id="271" r:id="rId4"/>
-    <p:sldId id="268" r:id="rId5"/>
-    <p:sldId id="269" r:id="rId6"/>
-    <p:sldId id="270" r:id="rId7"/>
+    <p:sldId id="272" r:id="rId5"/>
+    <p:sldId id="273" r:id="rId6"/>
+    <p:sldId id="274" r:id="rId7"/>
+    <p:sldId id="277" r:id="rId8"/>
+    <p:sldId id="268" r:id="rId9"/>
+    <p:sldId id="275" r:id="rId10"/>
+    <p:sldId id="276" r:id="rId11"/>
+    <p:sldId id="278" r:id="rId12"/>
+    <p:sldId id="279" r:id="rId13"/>
+    <p:sldId id="280" r:id="rId14"/>
+    <p:sldId id="281" r:id="rId15"/>
+    <p:sldId id="269" r:id="rId16"/>
+    <p:sldId id="282" r:id="rId17"/>
+    <p:sldId id="283" r:id="rId18"/>
+    <p:sldId id="284" r:id="rId19"/>
+    <p:sldId id="285" r:id="rId20"/>
+    <p:sldId id="286" r:id="rId21"/>
+    <p:sldId id="270" r:id="rId22"/>
+    <p:sldId id="287" r:id="rId23"/>
+    <p:sldId id="288" r:id="rId24"/>
   </p:sldIdLst>
   <p:sldSz cx="12192000" cy="6858000"/>
   <p:notesSz cx="6858000" cy="9144000"/>
@@ -800,7 +817,91 @@
           <a:p>
             <a:fld id="{F0E67C00-F679-4C51-9894-9E2214E5C2F1}" type="slidenum">
               <a:rPr lang="de-DE" smtClean="0"/>
-              <a:t>3</a:t>
+              <a:t>2</a:t>
+            </a:fld>
+            <a:endParaRPr lang="de-DE" dirty="0"/>
+          </a:p>
+        </p:txBody>
+      </p:sp>
+    </p:spTree>
+    <p:extLst>
+      <p:ext uri="{BB962C8B-B14F-4D97-AF65-F5344CB8AC3E}">
+        <p14:creationId xmlns:p14="http://schemas.microsoft.com/office/powerpoint/2010/main" val="392684465"/>
+      </p:ext>
+    </p:extLst>
+  </p:cSld>
+  <p:clrMapOvr>
+    <a:masterClrMapping/>
+  </p:clrMapOvr>
+</p:notes>
+</file>
+
+<file path=ppt/notesSlides/notesSlide3.xml><?xml version="1.0" encoding="utf-8"?>
+<p:notes xmlns:a="http://schemas.openxmlformats.org/drawingml/2006/main" xmlns:r="http://schemas.openxmlformats.org/officeDocument/2006/relationships" xmlns:p="http://schemas.openxmlformats.org/presentationml/2006/main">
+  <p:cSld>
+    <p:spTree>
+      <p:nvGrpSpPr>
+        <p:cNvPr id="1" name=""/>
+        <p:cNvGrpSpPr/>
+        <p:nvPr/>
+      </p:nvGrpSpPr>
+      <p:grpSpPr>
+        <a:xfrm>
+          <a:off x="0" y="0"/>
+          <a:ext cx="0" cy="0"/>
+          <a:chOff x="0" y="0"/>
+          <a:chExt cx="0" cy="0"/>
+        </a:xfrm>
+      </p:grpSpPr>
+      <p:sp>
+        <p:nvSpPr>
+          <p:cNvPr id="2" name="Folienbildplatzhalter 1"/>
+          <p:cNvSpPr>
+            <a:spLocks noGrp="1" noRot="1" noChangeAspect="1"/>
+          </p:cNvSpPr>
+          <p:nvPr>
+            <p:ph type="sldImg"/>
+          </p:nvPr>
+        </p:nvSpPr>
+        <p:spPr/>
+      </p:sp>
+      <p:sp>
+        <p:nvSpPr>
+          <p:cNvPr id="3" name="Notizenplatzhalter 2"/>
+          <p:cNvSpPr>
+            <a:spLocks noGrp="1"/>
+          </p:cNvSpPr>
+          <p:nvPr>
+            <p:ph type="body" idx="1"/>
+          </p:nvPr>
+        </p:nvSpPr>
+        <p:spPr/>
+        <p:txBody>
+          <a:bodyPr/>
+          <a:lstStyle/>
+          <a:p>
+            <a:endParaRPr lang="de-AT"/>
+          </a:p>
+        </p:txBody>
+      </p:sp>
+      <p:sp>
+        <p:nvSpPr>
+          <p:cNvPr id="4" name="Foliennummernplatzhalter 3"/>
+          <p:cNvSpPr>
+            <a:spLocks noGrp="1"/>
+          </p:cNvSpPr>
+          <p:nvPr>
+            <p:ph type="sldNum" sz="quarter" idx="10"/>
+          </p:nvPr>
+        </p:nvSpPr>
+        <p:spPr/>
+        <p:txBody>
+          <a:bodyPr/>
+          <a:lstStyle/>
+          <a:p>
+            <a:fld id="{F0E67C00-F679-4C51-9894-9E2214E5C2F1}" type="slidenum">
+              <a:rPr lang="de-DE" smtClean="0"/>
+              <a:t>7</a:t>
             </a:fld>
             <a:endParaRPr lang="de-DE" dirty="0"/>
           </a:p>
@@ -810,6 +911,90 @@
     <p:extLst>
       <p:ext uri="{BB962C8B-B14F-4D97-AF65-F5344CB8AC3E}">
         <p14:creationId xmlns:p14="http://schemas.microsoft.com/office/powerpoint/2010/main" val="794045751"/>
+      </p:ext>
+    </p:extLst>
+  </p:cSld>
+  <p:clrMapOvr>
+    <a:masterClrMapping/>
+  </p:clrMapOvr>
+</p:notes>
+</file>
+
+<file path=ppt/notesSlides/notesSlide4.xml><?xml version="1.0" encoding="utf-8"?>
+<p:notes xmlns:a="http://schemas.openxmlformats.org/drawingml/2006/main" xmlns:r="http://schemas.openxmlformats.org/officeDocument/2006/relationships" xmlns:p="http://schemas.openxmlformats.org/presentationml/2006/main">
+  <p:cSld>
+    <p:spTree>
+      <p:nvGrpSpPr>
+        <p:cNvPr id="1" name=""/>
+        <p:cNvGrpSpPr/>
+        <p:nvPr/>
+      </p:nvGrpSpPr>
+      <p:grpSpPr>
+        <a:xfrm>
+          <a:off x="0" y="0"/>
+          <a:ext cx="0" cy="0"/>
+          <a:chOff x="0" y="0"/>
+          <a:chExt cx="0" cy="0"/>
+        </a:xfrm>
+      </p:grpSpPr>
+      <p:sp>
+        <p:nvSpPr>
+          <p:cNvPr id="2" name="Folienbildplatzhalter 1"/>
+          <p:cNvSpPr>
+            <a:spLocks noGrp="1" noRot="1" noChangeAspect="1"/>
+          </p:cNvSpPr>
+          <p:nvPr>
+            <p:ph type="sldImg"/>
+          </p:nvPr>
+        </p:nvSpPr>
+        <p:spPr/>
+      </p:sp>
+      <p:sp>
+        <p:nvSpPr>
+          <p:cNvPr id="3" name="Notizenplatzhalter 2"/>
+          <p:cNvSpPr>
+            <a:spLocks noGrp="1"/>
+          </p:cNvSpPr>
+          <p:nvPr>
+            <p:ph type="body" idx="1"/>
+          </p:nvPr>
+        </p:nvSpPr>
+        <p:spPr/>
+        <p:txBody>
+          <a:bodyPr/>
+          <a:lstStyle/>
+          <a:p>
+            <a:endParaRPr lang="de-AT"/>
+          </a:p>
+        </p:txBody>
+      </p:sp>
+      <p:sp>
+        <p:nvSpPr>
+          <p:cNvPr id="4" name="Foliennummernplatzhalter 3"/>
+          <p:cNvSpPr>
+            <a:spLocks noGrp="1"/>
+          </p:cNvSpPr>
+          <p:nvPr>
+            <p:ph type="sldNum" sz="quarter" idx="10"/>
+          </p:nvPr>
+        </p:nvSpPr>
+        <p:spPr/>
+        <p:txBody>
+          <a:bodyPr/>
+          <a:lstStyle/>
+          <a:p>
+            <a:fld id="{F0E67C00-F679-4C51-9894-9E2214E5C2F1}" type="slidenum">
+              <a:rPr lang="de-DE" smtClean="0"/>
+              <a:t>14</a:t>
+            </a:fld>
+            <a:endParaRPr lang="de-DE" dirty="0"/>
+          </a:p>
+        </p:txBody>
+      </p:sp>
+    </p:spTree>
+    <p:extLst>
+      <p:ext uri="{BB962C8B-B14F-4D97-AF65-F5344CB8AC3E}">
+        <p14:creationId xmlns:p14="http://schemas.microsoft.com/office/powerpoint/2010/main" val="1670699866"/>
       </p:ext>
     </p:extLst>
   </p:cSld>
@@ -4393,7 +4578,7 @@
 </p:sld>
 </file>
 
-<file path=ppt/slides/slide2.xml><?xml version="1.0" encoding="utf-8"?>
+<file path=ppt/slides/slide10.xml><?xml version="1.0" encoding="utf-8"?>
 <p:sld xmlns:a="http://schemas.openxmlformats.org/drawingml/2006/main" xmlns:r="http://schemas.openxmlformats.org/officeDocument/2006/relationships" xmlns:p="http://schemas.openxmlformats.org/presentationml/2006/main">
   <p:cSld>
     <p:spTree>
@@ -4426,8 +4611,8 @@
           <a:lstStyle/>
           <a:p>
             <a:r>
-              <a:rPr lang="de-AT" smtClean="0"/>
-              <a:t>Überblick</a:t>
+              <a:rPr lang="de-AT" dirty="0" smtClean="0"/>
+              <a:t>Aufstellen eines DRP</a:t>
             </a:r>
             <a:endParaRPr lang="de-AT" dirty="0"/>
           </a:p>
@@ -4448,7 +4633,63 @@
           <a:bodyPr/>
           <a:lstStyle/>
           <a:p>
-            <a:endParaRPr lang="de-AT"/>
+            <a:r>
+              <a:rPr lang="de-AT" dirty="0"/>
+              <a:t>Desasteridentifikation, Kommunikationsrichtlinien, </a:t>
+            </a:r>
+            <a:r>
+              <a:rPr lang="de-AT" dirty="0" smtClean="0"/>
+              <a:t>Koordinieren </a:t>
+            </a:r>
+            <a:r>
+              <a:rPr lang="de-AT" dirty="0"/>
+              <a:t>der </a:t>
+            </a:r>
+            <a:r>
+              <a:rPr lang="de-AT" dirty="0" smtClean="0"/>
+              <a:t>Prozesse</a:t>
+            </a:r>
+          </a:p>
+          <a:p>
+            <a:r>
+              <a:rPr lang="de-AT" dirty="0" smtClean="0"/>
+              <a:t>Ausweichmöglichkeiten, </a:t>
+            </a:r>
+            <a:r>
+              <a:rPr lang="de-AT" dirty="0" smtClean="0">
+                <a:sym typeface="Wingdings" panose="05000000000000000000" pitchFamily="2" charset="2"/>
+              </a:rPr>
+              <a:t> </a:t>
+            </a:r>
+            <a:r>
+              <a:rPr lang="de-AT" dirty="0" smtClean="0"/>
+              <a:t>Rückkehr zu Normalzustand</a:t>
+            </a:r>
+          </a:p>
+          <a:p>
+            <a:endParaRPr lang="de-AT" dirty="0"/>
+          </a:p>
+          <a:p>
+            <a:r>
+              <a:rPr lang="de-AT" dirty="0" smtClean="0"/>
+              <a:t>Priorisierung, was ist für Einsatzfähigkeit wichtig?</a:t>
+            </a:r>
+          </a:p>
+          <a:p>
+            <a:r>
+              <a:rPr lang="de-AT" dirty="0" smtClean="0"/>
+              <a:t>Auferlegte Uptime</a:t>
+            </a:r>
+          </a:p>
+          <a:p>
+            <a:endParaRPr lang="de-AT" dirty="0"/>
+          </a:p>
+          <a:p>
+            <a:r>
+              <a:rPr lang="de-AT" dirty="0" smtClean="0"/>
+              <a:t>Möglichst viele Daten sammeln, händisch, an Fall angepasst</a:t>
+            </a:r>
+            <a:endParaRPr lang="de-AT" dirty="0"/>
           </a:p>
         </p:txBody>
       </p:sp>
@@ -4515,7 +4756,7 @@
           <a:p>
             <a:fld id="{E31375A4-56A4-47D6-9801-1991572033F7}" type="slidenum">
               <a:rPr lang="de-DE" smtClean="0"/>
-              <a:t>2</a:t>
+              <a:t>10</a:t>
             </a:fld>
             <a:endParaRPr lang="de-DE" dirty="0"/>
           </a:p>
@@ -4524,184 +4765,7 @@
     </p:spTree>
     <p:extLst>
       <p:ext uri="{BB962C8B-B14F-4D97-AF65-F5344CB8AC3E}">
-        <p14:creationId xmlns:p14="http://schemas.microsoft.com/office/powerpoint/2010/main" val="2085235237"/>
-      </p:ext>
-    </p:extLst>
-  </p:cSld>
-  <p:clrMapOvr>
-    <a:masterClrMapping/>
-  </p:clrMapOvr>
-  <mc:AlternateContent xmlns:mc="http://schemas.openxmlformats.org/markup-compatibility/2006" xmlns:p14="http://schemas.microsoft.com/office/powerpoint/2010/main">
-    <mc:Choice Requires="p14">
-      <p:transition spd="med" p14:dur="700">
-        <p:fade/>
-      </p:transition>
-    </mc:Choice>
-    <mc:Fallback xmlns="">
-      <p:transition spd="med">
-        <p:fade/>
-      </p:transition>
-    </mc:Fallback>
-  </mc:AlternateContent>
-</p:sld>
-</file>
-
-<file path=ppt/slides/slide3.xml><?xml version="1.0" encoding="utf-8"?>
-<p:sld xmlns:a="http://schemas.openxmlformats.org/drawingml/2006/main" xmlns:r="http://schemas.openxmlformats.org/officeDocument/2006/relationships" xmlns:p="http://schemas.openxmlformats.org/presentationml/2006/main">
-  <p:cSld>
-    <p:spTree>
-      <p:nvGrpSpPr>
-        <p:cNvPr id="1" name=""/>
-        <p:cNvGrpSpPr/>
-        <p:nvPr/>
-      </p:nvGrpSpPr>
-      <p:grpSpPr>
-        <a:xfrm>
-          <a:off x="0" y="0"/>
-          <a:ext cx="0" cy="0"/>
-          <a:chOff x="0" y="0"/>
-          <a:chExt cx="0" cy="0"/>
-        </a:xfrm>
-      </p:grpSpPr>
-      <p:sp>
-        <p:nvSpPr>
-          <p:cNvPr id="2" name="Titel 1"/>
-          <p:cNvSpPr>
-            <a:spLocks noGrp="1"/>
-          </p:cNvSpPr>
-          <p:nvPr>
-            <p:ph type="title"/>
-          </p:nvPr>
-        </p:nvSpPr>
-        <p:spPr/>
-        <p:txBody>
-          <a:bodyPr/>
-          <a:lstStyle/>
-          <a:p>
-            <a:r>
-              <a:rPr lang="de-AT" dirty="0" smtClean="0"/>
-              <a:t>Überblick</a:t>
-            </a:r>
-            <a:endParaRPr lang="de-AT" dirty="0"/>
-          </a:p>
-        </p:txBody>
-      </p:sp>
-      <p:sp>
-        <p:nvSpPr>
-          <p:cNvPr id="3" name="Inhaltsplatzhalter 2"/>
-          <p:cNvSpPr>
-            <a:spLocks noGrp="1"/>
-          </p:cNvSpPr>
-          <p:nvPr>
-            <p:ph idx="1"/>
-          </p:nvPr>
-        </p:nvSpPr>
-        <p:spPr/>
-        <p:txBody>
-          <a:bodyPr/>
-          <a:lstStyle/>
-          <a:p>
-            <a:endParaRPr lang="de-AT"/>
-          </a:p>
-        </p:txBody>
-      </p:sp>
-      <p:sp>
-        <p:nvSpPr>
-          <p:cNvPr id="4" name="Datumsplatzhalter 3"/>
-          <p:cNvSpPr>
-            <a:spLocks noGrp="1"/>
-          </p:cNvSpPr>
-          <p:nvPr>
-            <p:ph type="dt" sz="half" idx="10"/>
-          </p:nvPr>
-        </p:nvSpPr>
-        <p:spPr/>
-        <p:txBody>
-          <a:bodyPr/>
-          <a:lstStyle/>
-          <a:p>
-            <a:r>
-              <a:rPr lang="de-DE" sz="1400" dirty="0" smtClean="0"/>
-              <a:t>02.03.2016</a:t>
-            </a:r>
-            <a:endParaRPr lang="de-DE" dirty="0"/>
-          </a:p>
-        </p:txBody>
-      </p:sp>
-      <p:sp>
-        <p:nvSpPr>
-          <p:cNvPr id="5" name="Foliennummernplatzhalter 4"/>
-          <p:cNvSpPr>
-            <a:spLocks noGrp="1"/>
-          </p:cNvSpPr>
-          <p:nvPr>
-            <p:ph type="sldNum" sz="quarter" idx="12"/>
-          </p:nvPr>
-        </p:nvSpPr>
-        <p:spPr/>
-        <p:txBody>
-          <a:bodyPr/>
-          <a:lstStyle/>
-          <a:p>
-            <a:fld id="{E31375A4-56A4-47D6-9801-1991572033F7}" type="slidenum">
-              <a:rPr lang="de-DE" sz="1400" smtClean="0"/>
-              <a:t>3</a:t>
-            </a:fld>
-            <a:endParaRPr lang="de-DE" sz="1400" dirty="0"/>
-          </a:p>
-        </p:txBody>
-      </p:sp>
-      <p:sp>
-        <p:nvSpPr>
-          <p:cNvPr id="6" name="Fußzeilenplatzhalter 5"/>
-          <p:cNvSpPr>
-            <a:spLocks noGrp="1"/>
-          </p:cNvSpPr>
-          <p:nvPr>
-            <p:ph type="ftr" sz="quarter" idx="11"/>
-          </p:nvPr>
-        </p:nvSpPr>
-        <p:spPr/>
-        <p:txBody>
-          <a:bodyPr/>
-          <a:lstStyle/>
-          <a:p>
-            <a:r>
-              <a:rPr lang="de-DE" sz="1400" dirty="0" smtClean="0"/>
-              <a:t>Disaster Recovery - Michael Weinberger 5BHIT</a:t>
-            </a:r>
-            <a:endParaRPr lang="de-DE" sz="1400" dirty="0"/>
-          </a:p>
-        </p:txBody>
-      </p:sp>
-      <p:pic>
-        <p:nvPicPr>
-          <p:cNvPr id="7" name="Grafik 6"/>
-          <p:cNvPicPr>
-            <a:picLocks noChangeAspect="1"/>
-          </p:cNvPicPr>
-          <p:nvPr/>
-        </p:nvPicPr>
-        <p:blipFill>
-          <a:blip r:embed="rId3"/>
-          <a:stretch>
-            <a:fillRect/>
-          </a:stretch>
-        </p:blipFill>
-        <p:spPr>
-          <a:xfrm>
-            <a:off x="1328737" y="289639"/>
-            <a:ext cx="9534525" cy="6038850"/>
-          </a:xfrm>
-          <a:prstGeom prst="rect">
-            <a:avLst/>
-          </a:prstGeom>
-        </p:spPr>
-      </p:pic>
-    </p:spTree>
-    <p:extLst>
-      <p:ext uri="{BB962C8B-B14F-4D97-AF65-F5344CB8AC3E}">
-        <p14:creationId xmlns:p14="http://schemas.microsoft.com/office/powerpoint/2010/main" val="1696496146"/>
+        <p14:creationId xmlns:p14="http://schemas.microsoft.com/office/powerpoint/2010/main" val="3710291087"/>
       </p:ext>
     </p:extLst>
   </p:cSld>
@@ -4730,7 +4794,7 @@
 </p:sld>
 </file>
 
-<file path=ppt/slides/slide4.xml><?xml version="1.0" encoding="utf-8"?>
+<file path=ppt/slides/slide11.xml><?xml version="1.0" encoding="utf-8"?>
 <p:sld xmlns:a="http://schemas.openxmlformats.org/drawingml/2006/main" xmlns:r="http://schemas.openxmlformats.org/officeDocument/2006/relationships" xmlns:p="http://schemas.openxmlformats.org/presentationml/2006/main">
   <p:cSld>
     <p:spTree>
@@ -4762,6 +4826,603 @@
           <a:bodyPr/>
           <a:lstStyle/>
           <a:p>
+            <a:r>
+              <a:rPr lang="de-AT" dirty="0" smtClean="0"/>
+              <a:t>Schaffung eines zuverlässigen Systems</a:t>
+            </a:r>
+            <a:br>
+              <a:rPr lang="de-AT" dirty="0" smtClean="0"/>
+            </a:br>
+            <a:r>
+              <a:rPr lang="de-AT" dirty="0" smtClean="0"/>
+              <a:t>Cluster und deren Vorteile</a:t>
+            </a:r>
+            <a:endParaRPr lang="de-AT" dirty="0"/>
+          </a:p>
+        </p:txBody>
+      </p:sp>
+      <p:sp>
+        <p:nvSpPr>
+          <p:cNvPr id="3" name="Inhaltsplatzhalter 2"/>
+          <p:cNvSpPr>
+            <a:spLocks noGrp="1"/>
+          </p:cNvSpPr>
+          <p:nvPr>
+            <p:ph idx="1"/>
+          </p:nvPr>
+        </p:nvSpPr>
+        <p:spPr/>
+        <p:txBody>
+          <a:bodyPr/>
+          <a:lstStyle/>
+          <a:p>
+            <a:r>
+              <a:rPr lang="de-AT" dirty="0" smtClean="0"/>
+              <a:t>Clusterlösung = Garant für Hochverfügbarkeit</a:t>
+            </a:r>
+          </a:p>
+          <a:p>
+            <a:r>
+              <a:rPr lang="de-AT" dirty="0" smtClean="0"/>
+              <a:t>Failover- oder Aktiv/Aktiv-Cluster</a:t>
+            </a:r>
+          </a:p>
+          <a:p>
+            <a:endParaRPr lang="de-AT" dirty="0"/>
+          </a:p>
+          <a:p>
+            <a:r>
+              <a:rPr lang="de-AT" dirty="0" smtClean="0"/>
+              <a:t>Sehr teuer in Aufbau und Wartung</a:t>
+            </a:r>
+          </a:p>
+          <a:p>
+            <a:r>
+              <a:rPr lang="de-AT" dirty="0" smtClean="0"/>
+              <a:t>Eher nur für große Unternehmen mit großem Budget</a:t>
+            </a:r>
+            <a:endParaRPr lang="de-AT" dirty="0"/>
+          </a:p>
+        </p:txBody>
+      </p:sp>
+      <p:sp>
+        <p:nvSpPr>
+          <p:cNvPr id="4" name="Datumsplatzhalter 3"/>
+          <p:cNvSpPr>
+            <a:spLocks noGrp="1"/>
+          </p:cNvSpPr>
+          <p:nvPr>
+            <p:ph type="dt" sz="half" idx="10"/>
+          </p:nvPr>
+        </p:nvSpPr>
+        <p:spPr/>
+        <p:txBody>
+          <a:bodyPr/>
+          <a:lstStyle/>
+          <a:p>
+            <a:r>
+              <a:rPr lang="de-DE" smtClean="0"/>
+              <a:t>02.03.2016</a:t>
+            </a:r>
+            <a:endParaRPr lang="de-DE" dirty="0"/>
+          </a:p>
+        </p:txBody>
+      </p:sp>
+      <p:sp>
+        <p:nvSpPr>
+          <p:cNvPr id="5" name="Fußzeilenplatzhalter 4"/>
+          <p:cNvSpPr>
+            <a:spLocks noGrp="1"/>
+          </p:cNvSpPr>
+          <p:nvPr>
+            <p:ph type="ftr" sz="quarter" idx="11"/>
+          </p:nvPr>
+        </p:nvSpPr>
+        <p:spPr/>
+        <p:txBody>
+          <a:bodyPr/>
+          <a:lstStyle/>
+          <a:p>
+            <a:r>
+              <a:rPr lang="de-DE" smtClean="0"/>
+              <a:t>Disaster Recovery - Michael Weinberger 5BHIT</a:t>
+            </a:r>
+            <a:endParaRPr lang="de-DE" dirty="0"/>
+          </a:p>
+        </p:txBody>
+      </p:sp>
+      <p:sp>
+        <p:nvSpPr>
+          <p:cNvPr id="6" name="Foliennummernplatzhalter 5"/>
+          <p:cNvSpPr>
+            <a:spLocks noGrp="1"/>
+          </p:cNvSpPr>
+          <p:nvPr>
+            <p:ph type="sldNum" sz="quarter" idx="12"/>
+          </p:nvPr>
+        </p:nvSpPr>
+        <p:spPr/>
+        <p:txBody>
+          <a:bodyPr/>
+          <a:lstStyle/>
+          <a:p>
+            <a:fld id="{E31375A4-56A4-47D6-9801-1991572033F7}" type="slidenum">
+              <a:rPr lang="de-DE" smtClean="0"/>
+              <a:t>11</a:t>
+            </a:fld>
+            <a:endParaRPr lang="de-DE" dirty="0"/>
+          </a:p>
+        </p:txBody>
+      </p:sp>
+    </p:spTree>
+    <p:extLst>
+      <p:ext uri="{BB962C8B-B14F-4D97-AF65-F5344CB8AC3E}">
+        <p14:creationId xmlns:p14="http://schemas.microsoft.com/office/powerpoint/2010/main" val="3754928871"/>
+      </p:ext>
+    </p:extLst>
+  </p:cSld>
+  <p:clrMapOvr>
+    <a:masterClrMapping/>
+  </p:clrMapOvr>
+  <mc:AlternateContent xmlns:mc="http://schemas.openxmlformats.org/markup-compatibility/2006" xmlns:p14="http://schemas.microsoft.com/office/powerpoint/2010/main">
+    <mc:Choice Requires="p14">
+      <p:transition spd="med" p14:dur="700">
+        <p:fade/>
+      </p:transition>
+    </mc:Choice>
+    <mc:Fallback xmlns="">
+      <p:transition spd="med">
+        <p:fade/>
+      </p:transition>
+    </mc:Fallback>
+  </mc:AlternateContent>
+  <p:timing>
+    <p:tnLst>
+      <p:par>
+        <p:cTn id="1" dur="indefinite" restart="never" nodeType="tmRoot"/>
+      </p:par>
+    </p:tnLst>
+  </p:timing>
+</p:sld>
+</file>
+
+<file path=ppt/slides/slide12.xml><?xml version="1.0" encoding="utf-8"?>
+<p:sld xmlns:a="http://schemas.openxmlformats.org/drawingml/2006/main" xmlns:r="http://schemas.openxmlformats.org/officeDocument/2006/relationships" xmlns:p="http://schemas.openxmlformats.org/presentationml/2006/main">
+  <p:cSld>
+    <p:spTree>
+      <p:nvGrpSpPr>
+        <p:cNvPr id="1" name=""/>
+        <p:cNvGrpSpPr/>
+        <p:nvPr/>
+      </p:nvGrpSpPr>
+      <p:grpSpPr>
+        <a:xfrm>
+          <a:off x="0" y="0"/>
+          <a:ext cx="0" cy="0"/>
+          <a:chOff x="0" y="0"/>
+          <a:chExt cx="0" cy="0"/>
+        </a:xfrm>
+      </p:grpSpPr>
+      <p:sp>
+        <p:nvSpPr>
+          <p:cNvPr id="2" name="Titel 1"/>
+          <p:cNvSpPr>
+            <a:spLocks noGrp="1"/>
+          </p:cNvSpPr>
+          <p:nvPr>
+            <p:ph type="title"/>
+          </p:nvPr>
+        </p:nvSpPr>
+        <p:spPr/>
+        <p:txBody>
+          <a:bodyPr/>
+          <a:lstStyle/>
+          <a:p>
+            <a:r>
+              <a:rPr lang="de-AT" dirty="0"/>
+              <a:t>Schaffung eines zuverlässigen </a:t>
+            </a:r>
+            <a:r>
+              <a:rPr lang="de-AT" dirty="0" smtClean="0"/>
+              <a:t>Systems</a:t>
+            </a:r>
+            <a:br>
+              <a:rPr lang="de-AT" dirty="0" smtClean="0"/>
+            </a:br>
+            <a:r>
+              <a:rPr lang="de-AT" dirty="0" smtClean="0"/>
+              <a:t>Wozu dann Disaster Recovery?</a:t>
+            </a:r>
+            <a:endParaRPr lang="de-AT" dirty="0"/>
+          </a:p>
+        </p:txBody>
+      </p:sp>
+      <p:sp>
+        <p:nvSpPr>
+          <p:cNvPr id="3" name="Inhaltsplatzhalter 2"/>
+          <p:cNvSpPr>
+            <a:spLocks noGrp="1"/>
+          </p:cNvSpPr>
+          <p:nvPr>
+            <p:ph idx="1"/>
+          </p:nvPr>
+        </p:nvSpPr>
+        <p:spPr/>
+        <p:txBody>
+          <a:bodyPr/>
+          <a:lstStyle/>
+          <a:p>
+            <a:r>
+              <a:rPr lang="de-AT" dirty="0" smtClean="0"/>
+              <a:t>Für Systeme, wo &lt; 100% Uptime in Ordnung, oder aus Budgetgründen</a:t>
+            </a:r>
+          </a:p>
+          <a:p>
+            <a:endParaRPr lang="de-AT" dirty="0"/>
+          </a:p>
+          <a:p>
+            <a:r>
+              <a:rPr lang="de-AT" dirty="0" smtClean="0"/>
+              <a:t>Cold Standby, Eingriff des Administrators, ‚der Betrieb steht‘</a:t>
+            </a:r>
+          </a:p>
+          <a:p>
+            <a:r>
+              <a:rPr lang="de-AT" dirty="0" smtClean="0"/>
+              <a:t>Normalzustand im Normalfall schnell erreicht, billiger als Cluster</a:t>
+            </a:r>
+          </a:p>
+          <a:p>
+            <a:pPr marL="0" indent="0">
+              <a:buNone/>
+            </a:pPr>
+            <a:endParaRPr lang="de-AT" dirty="0" smtClean="0"/>
+          </a:p>
+          <a:p>
+            <a:r>
+              <a:rPr lang="de-AT" dirty="0" smtClean="0"/>
+              <a:t>Auf Fehler reagieren, nachdem sie passiert sind</a:t>
+            </a:r>
+            <a:endParaRPr lang="de-AT" dirty="0"/>
+          </a:p>
+        </p:txBody>
+      </p:sp>
+      <p:sp>
+        <p:nvSpPr>
+          <p:cNvPr id="4" name="Datumsplatzhalter 3"/>
+          <p:cNvSpPr>
+            <a:spLocks noGrp="1"/>
+          </p:cNvSpPr>
+          <p:nvPr>
+            <p:ph type="dt" sz="half" idx="10"/>
+          </p:nvPr>
+        </p:nvSpPr>
+        <p:spPr/>
+        <p:txBody>
+          <a:bodyPr/>
+          <a:lstStyle/>
+          <a:p>
+            <a:r>
+              <a:rPr lang="de-DE" smtClean="0"/>
+              <a:t>02.03.2016</a:t>
+            </a:r>
+            <a:endParaRPr lang="de-DE" dirty="0"/>
+          </a:p>
+        </p:txBody>
+      </p:sp>
+      <p:sp>
+        <p:nvSpPr>
+          <p:cNvPr id="5" name="Fußzeilenplatzhalter 4"/>
+          <p:cNvSpPr>
+            <a:spLocks noGrp="1"/>
+          </p:cNvSpPr>
+          <p:nvPr>
+            <p:ph type="ftr" sz="quarter" idx="11"/>
+          </p:nvPr>
+        </p:nvSpPr>
+        <p:spPr/>
+        <p:txBody>
+          <a:bodyPr/>
+          <a:lstStyle/>
+          <a:p>
+            <a:r>
+              <a:rPr lang="de-DE" smtClean="0"/>
+              <a:t>Disaster Recovery - Michael Weinberger 5BHIT</a:t>
+            </a:r>
+            <a:endParaRPr lang="de-DE" dirty="0"/>
+          </a:p>
+        </p:txBody>
+      </p:sp>
+      <p:sp>
+        <p:nvSpPr>
+          <p:cNvPr id="6" name="Foliennummernplatzhalter 5"/>
+          <p:cNvSpPr>
+            <a:spLocks noGrp="1"/>
+          </p:cNvSpPr>
+          <p:nvPr>
+            <p:ph type="sldNum" sz="quarter" idx="12"/>
+          </p:nvPr>
+        </p:nvSpPr>
+        <p:spPr/>
+        <p:txBody>
+          <a:bodyPr/>
+          <a:lstStyle/>
+          <a:p>
+            <a:fld id="{E31375A4-56A4-47D6-9801-1991572033F7}" type="slidenum">
+              <a:rPr lang="de-DE" smtClean="0"/>
+              <a:t>12</a:t>
+            </a:fld>
+            <a:endParaRPr lang="de-DE" dirty="0"/>
+          </a:p>
+        </p:txBody>
+      </p:sp>
+    </p:spTree>
+    <p:extLst>
+      <p:ext uri="{BB962C8B-B14F-4D97-AF65-F5344CB8AC3E}">
+        <p14:creationId xmlns:p14="http://schemas.microsoft.com/office/powerpoint/2010/main" val="3749565621"/>
+      </p:ext>
+    </p:extLst>
+  </p:cSld>
+  <p:clrMapOvr>
+    <a:masterClrMapping/>
+  </p:clrMapOvr>
+  <mc:AlternateContent xmlns:mc="http://schemas.openxmlformats.org/markup-compatibility/2006" xmlns:p14="http://schemas.microsoft.com/office/powerpoint/2010/main">
+    <mc:Choice Requires="p14">
+      <p:transition spd="med" p14:dur="700">
+        <p:fade/>
+      </p:transition>
+    </mc:Choice>
+    <mc:Fallback xmlns="">
+      <p:transition spd="med">
+        <p:fade/>
+      </p:transition>
+    </mc:Fallback>
+  </mc:AlternateContent>
+  <p:timing>
+    <p:tnLst>
+      <p:par>
+        <p:cTn id="1" dur="indefinite" restart="never" nodeType="tmRoot"/>
+      </p:par>
+    </p:tnLst>
+  </p:timing>
+</p:sld>
+</file>
+
+<file path=ppt/slides/slide13.xml><?xml version="1.0" encoding="utf-8"?>
+<p:sld xmlns:a="http://schemas.openxmlformats.org/drawingml/2006/main" xmlns:r="http://schemas.openxmlformats.org/officeDocument/2006/relationships" xmlns:p="http://schemas.openxmlformats.org/presentationml/2006/main">
+  <p:cSld>
+    <p:spTree>
+      <p:nvGrpSpPr>
+        <p:cNvPr id="1" name=""/>
+        <p:cNvGrpSpPr/>
+        <p:nvPr/>
+      </p:nvGrpSpPr>
+      <p:grpSpPr>
+        <a:xfrm>
+          <a:off x="0" y="0"/>
+          <a:ext cx="0" cy="0"/>
+          <a:chOff x="0" y="0"/>
+          <a:chExt cx="0" cy="0"/>
+        </a:xfrm>
+      </p:grpSpPr>
+      <p:sp>
+        <p:nvSpPr>
+          <p:cNvPr id="2" name="Titel 1"/>
+          <p:cNvSpPr>
+            <a:spLocks noGrp="1"/>
+          </p:cNvSpPr>
+          <p:nvPr>
+            <p:ph type="title"/>
+          </p:nvPr>
+        </p:nvSpPr>
+        <p:spPr/>
+        <p:txBody>
+          <a:bodyPr/>
+          <a:lstStyle/>
+          <a:p>
+            <a:r>
+              <a:rPr lang="de-AT" dirty="0"/>
+              <a:t>Schaffung eines zuverlässigen Systems</a:t>
+            </a:r>
+            <a:br>
+              <a:rPr lang="de-AT" dirty="0"/>
+            </a:br>
+            <a:r>
+              <a:rPr lang="de-AT" dirty="0"/>
+              <a:t>Wozu dann Disaster Recovery?</a:t>
+            </a:r>
+          </a:p>
+        </p:txBody>
+      </p:sp>
+      <p:sp>
+        <p:nvSpPr>
+          <p:cNvPr id="3" name="Inhaltsplatzhalter 2"/>
+          <p:cNvSpPr>
+            <a:spLocks noGrp="1"/>
+          </p:cNvSpPr>
+          <p:nvPr>
+            <p:ph idx="1"/>
+          </p:nvPr>
+        </p:nvSpPr>
+        <p:spPr/>
+        <p:txBody>
+          <a:bodyPr/>
+          <a:lstStyle/>
+          <a:p>
+            <a:r>
+              <a:rPr lang="de-AT" dirty="0" smtClean="0"/>
+              <a:t>Mit gutem DRP Wahrscheinlichkeiten verringern, Recovery beschleunigen</a:t>
+            </a:r>
+          </a:p>
+          <a:p>
+            <a:endParaRPr lang="de-AT" dirty="0"/>
+          </a:p>
+          <a:p>
+            <a:r>
+              <a:rPr lang="de-AT" dirty="0" smtClean="0"/>
+              <a:t>Unterbrechungsfreie Stromversorgung</a:t>
+            </a:r>
+          </a:p>
+          <a:p>
+            <a:r>
+              <a:rPr lang="de-AT" dirty="0" smtClean="0"/>
+              <a:t>regelmäßige Backup-Routine</a:t>
+            </a:r>
+          </a:p>
+          <a:p>
+            <a:r>
+              <a:rPr lang="de-AT" dirty="0" smtClean="0"/>
+              <a:t>RAID</a:t>
+            </a:r>
+          </a:p>
+          <a:p>
+            <a:endParaRPr lang="de-AT" dirty="0"/>
+          </a:p>
+          <a:p>
+            <a:pPr marL="0" indent="0">
+              <a:buNone/>
+            </a:pPr>
+            <a:r>
+              <a:rPr lang="de-AT" dirty="0" smtClean="0"/>
+              <a:t>= einfache Methoden, die viel helfen!</a:t>
+            </a:r>
+            <a:endParaRPr lang="de-AT" dirty="0"/>
+          </a:p>
+        </p:txBody>
+      </p:sp>
+      <p:sp>
+        <p:nvSpPr>
+          <p:cNvPr id="4" name="Datumsplatzhalter 3"/>
+          <p:cNvSpPr>
+            <a:spLocks noGrp="1"/>
+          </p:cNvSpPr>
+          <p:nvPr>
+            <p:ph type="dt" sz="half" idx="10"/>
+          </p:nvPr>
+        </p:nvSpPr>
+        <p:spPr/>
+        <p:txBody>
+          <a:bodyPr/>
+          <a:lstStyle/>
+          <a:p>
+            <a:r>
+              <a:rPr lang="de-DE" smtClean="0"/>
+              <a:t>02.03.2016</a:t>
+            </a:r>
+            <a:endParaRPr lang="de-DE" dirty="0"/>
+          </a:p>
+        </p:txBody>
+      </p:sp>
+      <p:sp>
+        <p:nvSpPr>
+          <p:cNvPr id="5" name="Fußzeilenplatzhalter 4"/>
+          <p:cNvSpPr>
+            <a:spLocks noGrp="1"/>
+          </p:cNvSpPr>
+          <p:nvPr>
+            <p:ph type="ftr" sz="quarter" idx="11"/>
+          </p:nvPr>
+        </p:nvSpPr>
+        <p:spPr/>
+        <p:txBody>
+          <a:bodyPr/>
+          <a:lstStyle/>
+          <a:p>
+            <a:r>
+              <a:rPr lang="de-DE" smtClean="0"/>
+              <a:t>Disaster Recovery - Michael Weinberger 5BHIT</a:t>
+            </a:r>
+            <a:endParaRPr lang="de-DE" dirty="0"/>
+          </a:p>
+        </p:txBody>
+      </p:sp>
+      <p:sp>
+        <p:nvSpPr>
+          <p:cNvPr id="6" name="Foliennummernplatzhalter 5"/>
+          <p:cNvSpPr>
+            <a:spLocks noGrp="1"/>
+          </p:cNvSpPr>
+          <p:nvPr>
+            <p:ph type="sldNum" sz="quarter" idx="12"/>
+          </p:nvPr>
+        </p:nvSpPr>
+        <p:spPr/>
+        <p:txBody>
+          <a:bodyPr/>
+          <a:lstStyle/>
+          <a:p>
+            <a:fld id="{E31375A4-56A4-47D6-9801-1991572033F7}" type="slidenum">
+              <a:rPr lang="de-DE" smtClean="0"/>
+              <a:t>13</a:t>
+            </a:fld>
+            <a:endParaRPr lang="de-DE" dirty="0"/>
+          </a:p>
+        </p:txBody>
+      </p:sp>
+    </p:spTree>
+    <p:extLst>
+      <p:ext uri="{BB962C8B-B14F-4D97-AF65-F5344CB8AC3E}">
+        <p14:creationId xmlns:p14="http://schemas.microsoft.com/office/powerpoint/2010/main" val="1925578673"/>
+      </p:ext>
+    </p:extLst>
+  </p:cSld>
+  <p:clrMapOvr>
+    <a:masterClrMapping/>
+  </p:clrMapOvr>
+  <mc:AlternateContent xmlns:mc="http://schemas.openxmlformats.org/markup-compatibility/2006" xmlns:p14="http://schemas.microsoft.com/office/powerpoint/2010/main">
+    <mc:Choice Requires="p14">
+      <p:transition spd="med" p14:dur="700">
+        <p:fade/>
+      </p:transition>
+    </mc:Choice>
+    <mc:Fallback xmlns="">
+      <p:transition spd="med">
+        <p:fade/>
+      </p:transition>
+    </mc:Fallback>
+  </mc:AlternateContent>
+  <p:timing>
+    <p:tnLst>
+      <p:par>
+        <p:cTn id="1" dur="indefinite" restart="never" nodeType="tmRoot"/>
+      </p:par>
+    </p:tnLst>
+  </p:timing>
+</p:sld>
+</file>
+
+<file path=ppt/slides/slide14.xml><?xml version="1.0" encoding="utf-8"?>
+<p:sld xmlns:a="http://schemas.openxmlformats.org/drawingml/2006/main" xmlns:r="http://schemas.openxmlformats.org/officeDocument/2006/relationships" xmlns:p="http://schemas.openxmlformats.org/presentationml/2006/main">
+  <p:cSld>
+    <p:spTree>
+      <p:nvGrpSpPr>
+        <p:cNvPr id="1" name=""/>
+        <p:cNvGrpSpPr/>
+        <p:nvPr/>
+      </p:nvGrpSpPr>
+      <p:grpSpPr>
+        <a:xfrm>
+          <a:off x="0" y="0"/>
+          <a:ext cx="0" cy="0"/>
+          <a:chOff x="0" y="0"/>
+          <a:chExt cx="0" cy="0"/>
+        </a:xfrm>
+      </p:grpSpPr>
+      <p:sp>
+        <p:nvSpPr>
+          <p:cNvPr id="2" name="Titel 1"/>
+          <p:cNvSpPr>
+            <a:spLocks noGrp="1"/>
+          </p:cNvSpPr>
+          <p:nvPr>
+            <p:ph type="title"/>
+          </p:nvPr>
+        </p:nvSpPr>
+        <p:spPr/>
+        <p:txBody>
+          <a:bodyPr/>
+          <a:lstStyle/>
+          <a:p>
             <a:endParaRPr lang="de-AT"/>
           </a:p>
         </p:txBody>
@@ -4824,7 +5485,7 @@
           <a:lstStyle/>
           <a:p>
             <a:r>
-              <a:rPr lang="de-DE" smtClean="0"/>
+              <a:rPr lang="de-DE" dirty="0" smtClean="0"/>
               <a:t>Disaster Recovery - Michael Weinberger 5BHIT</a:t>
             </a:r>
             <a:endParaRPr lang="de-DE" dirty="0"/>
@@ -4848,7 +5509,7 @@
           <a:p>
             <a:fld id="{E31375A4-56A4-47D6-9801-1991572033F7}" type="slidenum">
               <a:rPr lang="de-DE" smtClean="0"/>
-              <a:t>4</a:t>
+              <a:t>14</a:t>
             </a:fld>
             <a:endParaRPr lang="de-DE" dirty="0"/>
           </a:p>
@@ -4863,7 +5524,7 @@
           <p:nvPr/>
         </p:nvPicPr>
         <p:blipFill>
-          <a:blip r:embed="rId2"/>
+          <a:blip r:embed="rId3"/>
           <a:stretch>
             <a:fillRect/>
           </a:stretch>
@@ -4910,7 +5571,7 @@
 </p:sld>
 </file>
 
-<file path=ppt/slides/slide5.xml><?xml version="1.0" encoding="utf-8"?>
+<file path=ppt/slides/slide15.xml><?xml version="1.0" encoding="utf-8"?>
 <p:sld xmlns:a="http://schemas.openxmlformats.org/drawingml/2006/main" xmlns:r="http://schemas.openxmlformats.org/officeDocument/2006/relationships" xmlns:p="http://schemas.openxmlformats.org/presentationml/2006/main">
   <p:cSld>
     <p:spTree>
@@ -4942,6 +5603,1347 @@
           <a:bodyPr/>
           <a:lstStyle/>
           <a:p>
+            <a:r>
+              <a:rPr lang="de-AT" dirty="0"/>
+              <a:t>Traditional Disaster Recovery</a:t>
+            </a:r>
+          </a:p>
+        </p:txBody>
+      </p:sp>
+      <p:sp>
+        <p:nvSpPr>
+          <p:cNvPr id="3" name="Inhaltsplatzhalter 2"/>
+          <p:cNvSpPr>
+            <a:spLocks noGrp="1"/>
+          </p:cNvSpPr>
+          <p:nvPr>
+            <p:ph idx="1"/>
+          </p:nvPr>
+        </p:nvSpPr>
+        <p:spPr/>
+        <p:txBody>
+          <a:bodyPr/>
+          <a:lstStyle/>
+          <a:p>
+            <a:r>
+              <a:rPr lang="de-AT" dirty="0" smtClean="0"/>
+              <a:t>SHARE / IBM</a:t>
+            </a:r>
+          </a:p>
+          <a:p>
+            <a:endParaRPr lang="de-AT" dirty="0"/>
+          </a:p>
+          <a:p>
+            <a:r>
+              <a:rPr lang="de-AT" dirty="0"/>
+              <a:t>Tier 0: No off-site data – Possibly no recovery </a:t>
+            </a:r>
+            <a:endParaRPr lang="de-AT" dirty="0" smtClean="0"/>
+          </a:p>
+          <a:p>
+            <a:pPr lvl="1"/>
+            <a:r>
+              <a:rPr lang="de-AT" dirty="0" smtClean="0"/>
+              <a:t>Keinen Plan, keine Backups</a:t>
+            </a:r>
+          </a:p>
+          <a:p>
+            <a:pPr lvl="1"/>
+            <a:r>
+              <a:rPr lang="de-AT" dirty="0" smtClean="0"/>
+              <a:t>Recovery unvorhersehbar, wenn nicht sogar unmöglich</a:t>
+            </a:r>
+          </a:p>
+          <a:p>
+            <a:pPr lvl="1"/>
+            <a:endParaRPr lang="de-AT" dirty="0"/>
+          </a:p>
+          <a:p>
+            <a:r>
+              <a:rPr lang="de-AT" dirty="0"/>
+              <a:t>Tier </a:t>
+            </a:r>
+            <a:r>
+              <a:rPr lang="de-AT" dirty="0" smtClean="0"/>
+              <a:t>1</a:t>
+            </a:r>
+            <a:r>
+              <a:rPr lang="de-AT" dirty="0"/>
+              <a:t>: Data backup with no hot </a:t>
+            </a:r>
+            <a:r>
+              <a:rPr lang="de-AT" dirty="0" smtClean="0"/>
+              <a:t>site</a:t>
+            </a:r>
+          </a:p>
+          <a:p>
+            <a:pPr lvl="1"/>
+            <a:r>
+              <a:rPr lang="de-AT" dirty="0" smtClean="0"/>
+              <a:t>Regelmäßiges Backup, PTAM</a:t>
+            </a:r>
+          </a:p>
+          <a:p>
+            <a:pPr lvl="1"/>
+            <a:r>
+              <a:rPr lang="de-AT" dirty="0" smtClean="0"/>
+              <a:t>Einige Tage/Wochen Datenverlust möglich</a:t>
+            </a:r>
+          </a:p>
+        </p:txBody>
+      </p:sp>
+      <p:sp>
+        <p:nvSpPr>
+          <p:cNvPr id="4" name="Datumsplatzhalter 3"/>
+          <p:cNvSpPr>
+            <a:spLocks noGrp="1"/>
+          </p:cNvSpPr>
+          <p:nvPr>
+            <p:ph type="dt" sz="half" idx="10"/>
+          </p:nvPr>
+        </p:nvSpPr>
+        <p:spPr/>
+        <p:txBody>
+          <a:bodyPr/>
+          <a:lstStyle/>
+          <a:p>
+            <a:r>
+              <a:rPr lang="de-DE" smtClean="0"/>
+              <a:t>02.03.2016</a:t>
+            </a:r>
+            <a:endParaRPr lang="de-DE" dirty="0"/>
+          </a:p>
+        </p:txBody>
+      </p:sp>
+      <p:sp>
+        <p:nvSpPr>
+          <p:cNvPr id="5" name="Fußzeilenplatzhalter 4"/>
+          <p:cNvSpPr>
+            <a:spLocks noGrp="1"/>
+          </p:cNvSpPr>
+          <p:nvPr>
+            <p:ph type="ftr" sz="quarter" idx="11"/>
+          </p:nvPr>
+        </p:nvSpPr>
+        <p:spPr/>
+        <p:txBody>
+          <a:bodyPr/>
+          <a:lstStyle/>
+          <a:p>
+            <a:r>
+              <a:rPr lang="de-DE" smtClean="0"/>
+              <a:t>Disaster Recovery - Michael Weinberger 5BHIT</a:t>
+            </a:r>
+            <a:endParaRPr lang="de-DE" dirty="0"/>
+          </a:p>
+        </p:txBody>
+      </p:sp>
+      <p:sp>
+        <p:nvSpPr>
+          <p:cNvPr id="6" name="Foliennummernplatzhalter 5"/>
+          <p:cNvSpPr>
+            <a:spLocks noGrp="1"/>
+          </p:cNvSpPr>
+          <p:nvPr>
+            <p:ph type="sldNum" sz="quarter" idx="12"/>
+          </p:nvPr>
+        </p:nvSpPr>
+        <p:spPr/>
+        <p:txBody>
+          <a:bodyPr/>
+          <a:lstStyle/>
+          <a:p>
+            <a:fld id="{E31375A4-56A4-47D6-9801-1991572033F7}" type="slidenum">
+              <a:rPr lang="de-DE" smtClean="0"/>
+              <a:t>15</a:t>
+            </a:fld>
+            <a:endParaRPr lang="de-DE" dirty="0"/>
+          </a:p>
+        </p:txBody>
+      </p:sp>
+    </p:spTree>
+    <p:extLst>
+      <p:ext uri="{BB962C8B-B14F-4D97-AF65-F5344CB8AC3E}">
+        <p14:creationId xmlns:p14="http://schemas.microsoft.com/office/powerpoint/2010/main" val="4103485936"/>
+      </p:ext>
+    </p:extLst>
+  </p:cSld>
+  <p:clrMapOvr>
+    <a:masterClrMapping/>
+  </p:clrMapOvr>
+  <mc:AlternateContent xmlns:mc="http://schemas.openxmlformats.org/markup-compatibility/2006" xmlns:p14="http://schemas.microsoft.com/office/powerpoint/2010/main">
+    <mc:Choice Requires="p14">
+      <p:transition spd="med" p14:dur="700">
+        <p:fade/>
+      </p:transition>
+    </mc:Choice>
+    <mc:Fallback xmlns="">
+      <p:transition spd="med">
+        <p:fade/>
+      </p:transition>
+    </mc:Fallback>
+  </mc:AlternateContent>
+  <p:timing>
+    <p:tnLst>
+      <p:par>
+        <p:cTn id="1" dur="indefinite" restart="never" nodeType="tmRoot"/>
+      </p:par>
+    </p:tnLst>
+  </p:timing>
+</p:sld>
+</file>
+
+<file path=ppt/slides/slide16.xml><?xml version="1.0" encoding="utf-8"?>
+<p:sld xmlns:a="http://schemas.openxmlformats.org/drawingml/2006/main" xmlns:r="http://schemas.openxmlformats.org/officeDocument/2006/relationships" xmlns:p="http://schemas.openxmlformats.org/presentationml/2006/main">
+  <p:cSld>
+    <p:spTree>
+      <p:nvGrpSpPr>
+        <p:cNvPr id="1" name=""/>
+        <p:cNvGrpSpPr/>
+        <p:nvPr/>
+      </p:nvGrpSpPr>
+      <p:grpSpPr>
+        <a:xfrm>
+          <a:off x="0" y="0"/>
+          <a:ext cx="0" cy="0"/>
+          <a:chOff x="0" y="0"/>
+          <a:chExt cx="0" cy="0"/>
+        </a:xfrm>
+      </p:grpSpPr>
+      <p:sp>
+        <p:nvSpPr>
+          <p:cNvPr id="2" name="Titel 1"/>
+          <p:cNvSpPr>
+            <a:spLocks noGrp="1"/>
+          </p:cNvSpPr>
+          <p:nvPr>
+            <p:ph type="title"/>
+          </p:nvPr>
+        </p:nvSpPr>
+        <p:spPr/>
+        <p:txBody>
+          <a:bodyPr/>
+          <a:lstStyle/>
+          <a:p>
+            <a:r>
+              <a:rPr lang="de-AT" dirty="0"/>
+              <a:t>Traditional Disaster Recovery</a:t>
+            </a:r>
+          </a:p>
+        </p:txBody>
+      </p:sp>
+      <p:sp>
+        <p:nvSpPr>
+          <p:cNvPr id="3" name="Inhaltsplatzhalter 2"/>
+          <p:cNvSpPr>
+            <a:spLocks noGrp="1"/>
+          </p:cNvSpPr>
+          <p:nvPr>
+            <p:ph idx="1"/>
+          </p:nvPr>
+        </p:nvSpPr>
+        <p:spPr/>
+        <p:txBody>
+          <a:bodyPr/>
+          <a:lstStyle/>
+          <a:p>
+            <a:r>
+              <a:rPr lang="de-AT" dirty="0"/>
+              <a:t>Tier 2: Data backup with a hot site</a:t>
+            </a:r>
+            <a:endParaRPr lang="de-AT" dirty="0" smtClean="0"/>
+          </a:p>
+          <a:p>
+            <a:pPr lvl="1"/>
+            <a:r>
+              <a:rPr lang="de-AT" dirty="0" smtClean="0"/>
+              <a:t>Regelmäßige Sicherungen, Tapes</a:t>
+            </a:r>
+          </a:p>
+          <a:p>
+            <a:pPr lvl="1"/>
+            <a:r>
+              <a:rPr lang="de-AT" dirty="0" smtClean="0"/>
+              <a:t>‚Hot Site‘</a:t>
+            </a:r>
+          </a:p>
+          <a:p>
+            <a:pPr lvl="1"/>
+            <a:r>
+              <a:rPr lang="de-AT" dirty="0" smtClean="0"/>
+              <a:t>Ausfall einige Stunden oder Tage möglich, Dauer besser vorhersehbar</a:t>
+            </a:r>
+          </a:p>
+          <a:p>
+            <a:pPr lvl="1"/>
+            <a:endParaRPr lang="de-AT" dirty="0" smtClean="0"/>
+          </a:p>
+          <a:p>
+            <a:r>
+              <a:rPr lang="de-AT" dirty="0"/>
+              <a:t>Tier </a:t>
+            </a:r>
+            <a:r>
+              <a:rPr lang="de-AT" dirty="0" smtClean="0"/>
+              <a:t>3</a:t>
+            </a:r>
+            <a:r>
+              <a:rPr lang="de-AT" dirty="0"/>
+              <a:t>: Electronic </a:t>
+            </a:r>
+            <a:r>
+              <a:rPr lang="de-AT" dirty="0" smtClean="0"/>
+              <a:t>vaulting</a:t>
+            </a:r>
+            <a:endParaRPr lang="de-AT" dirty="0"/>
+          </a:p>
+          <a:p>
+            <a:pPr lvl="1"/>
+            <a:r>
+              <a:rPr lang="de-AT" dirty="0" smtClean="0"/>
+              <a:t>Basiert auf Tier 2</a:t>
+            </a:r>
+          </a:p>
+          <a:p>
+            <a:pPr lvl="1"/>
+            <a:r>
+              <a:rPr lang="de-AT" dirty="0" smtClean="0"/>
+              <a:t>Kritsche Daten abgekapselt</a:t>
+            </a:r>
+          </a:p>
+          <a:p>
+            <a:pPr lvl="1"/>
+            <a:r>
+              <a:rPr lang="de-AT" dirty="0" smtClean="0"/>
+              <a:t>Weniger Datenverlust</a:t>
+            </a:r>
+            <a:endParaRPr lang="de-AT" dirty="0"/>
+          </a:p>
+          <a:p>
+            <a:pPr lvl="1"/>
+            <a:endParaRPr lang="de-AT" dirty="0"/>
+          </a:p>
+        </p:txBody>
+      </p:sp>
+      <p:sp>
+        <p:nvSpPr>
+          <p:cNvPr id="4" name="Datumsplatzhalter 3"/>
+          <p:cNvSpPr>
+            <a:spLocks noGrp="1"/>
+          </p:cNvSpPr>
+          <p:nvPr>
+            <p:ph type="dt" sz="half" idx="10"/>
+          </p:nvPr>
+        </p:nvSpPr>
+        <p:spPr/>
+        <p:txBody>
+          <a:bodyPr/>
+          <a:lstStyle/>
+          <a:p>
+            <a:r>
+              <a:rPr lang="de-DE" smtClean="0"/>
+              <a:t>02.03.2016</a:t>
+            </a:r>
+            <a:endParaRPr lang="de-DE" dirty="0"/>
+          </a:p>
+        </p:txBody>
+      </p:sp>
+      <p:sp>
+        <p:nvSpPr>
+          <p:cNvPr id="5" name="Fußzeilenplatzhalter 4"/>
+          <p:cNvSpPr>
+            <a:spLocks noGrp="1"/>
+          </p:cNvSpPr>
+          <p:nvPr>
+            <p:ph type="ftr" sz="quarter" idx="11"/>
+          </p:nvPr>
+        </p:nvSpPr>
+        <p:spPr/>
+        <p:txBody>
+          <a:bodyPr/>
+          <a:lstStyle/>
+          <a:p>
+            <a:r>
+              <a:rPr lang="de-DE" smtClean="0"/>
+              <a:t>Disaster Recovery - Michael Weinberger 5BHIT</a:t>
+            </a:r>
+            <a:endParaRPr lang="de-DE" dirty="0"/>
+          </a:p>
+        </p:txBody>
+      </p:sp>
+      <p:sp>
+        <p:nvSpPr>
+          <p:cNvPr id="6" name="Foliennummernplatzhalter 5"/>
+          <p:cNvSpPr>
+            <a:spLocks noGrp="1"/>
+          </p:cNvSpPr>
+          <p:nvPr>
+            <p:ph type="sldNum" sz="quarter" idx="12"/>
+          </p:nvPr>
+        </p:nvSpPr>
+        <p:spPr/>
+        <p:txBody>
+          <a:bodyPr/>
+          <a:lstStyle/>
+          <a:p>
+            <a:fld id="{E31375A4-56A4-47D6-9801-1991572033F7}" type="slidenum">
+              <a:rPr lang="de-DE" smtClean="0"/>
+              <a:t>16</a:t>
+            </a:fld>
+            <a:endParaRPr lang="de-DE" dirty="0"/>
+          </a:p>
+        </p:txBody>
+      </p:sp>
+    </p:spTree>
+    <p:extLst>
+      <p:ext uri="{BB962C8B-B14F-4D97-AF65-F5344CB8AC3E}">
+        <p14:creationId xmlns:p14="http://schemas.microsoft.com/office/powerpoint/2010/main" val="654556032"/>
+      </p:ext>
+    </p:extLst>
+  </p:cSld>
+  <p:clrMapOvr>
+    <a:masterClrMapping/>
+  </p:clrMapOvr>
+  <mc:AlternateContent xmlns:mc="http://schemas.openxmlformats.org/markup-compatibility/2006" xmlns:p14="http://schemas.microsoft.com/office/powerpoint/2010/main">
+    <mc:Choice Requires="p14">
+      <p:transition spd="med" p14:dur="700">
+        <p:fade/>
+      </p:transition>
+    </mc:Choice>
+    <mc:Fallback xmlns="">
+      <p:transition spd="med">
+        <p:fade/>
+      </p:transition>
+    </mc:Fallback>
+  </mc:AlternateContent>
+  <p:timing>
+    <p:tnLst>
+      <p:par>
+        <p:cTn id="1" dur="indefinite" restart="never" nodeType="tmRoot"/>
+      </p:par>
+    </p:tnLst>
+  </p:timing>
+</p:sld>
+</file>
+
+<file path=ppt/slides/slide17.xml><?xml version="1.0" encoding="utf-8"?>
+<p:sld xmlns:a="http://schemas.openxmlformats.org/drawingml/2006/main" xmlns:r="http://schemas.openxmlformats.org/officeDocument/2006/relationships" xmlns:p="http://schemas.openxmlformats.org/presentationml/2006/main">
+  <p:cSld>
+    <p:spTree>
+      <p:nvGrpSpPr>
+        <p:cNvPr id="1" name=""/>
+        <p:cNvGrpSpPr/>
+        <p:nvPr/>
+      </p:nvGrpSpPr>
+      <p:grpSpPr>
+        <a:xfrm>
+          <a:off x="0" y="0"/>
+          <a:ext cx="0" cy="0"/>
+          <a:chOff x="0" y="0"/>
+          <a:chExt cx="0" cy="0"/>
+        </a:xfrm>
+      </p:grpSpPr>
+      <p:sp>
+        <p:nvSpPr>
+          <p:cNvPr id="2" name="Titel 1"/>
+          <p:cNvSpPr>
+            <a:spLocks noGrp="1"/>
+          </p:cNvSpPr>
+          <p:nvPr>
+            <p:ph type="title"/>
+          </p:nvPr>
+        </p:nvSpPr>
+        <p:spPr/>
+        <p:txBody>
+          <a:bodyPr/>
+          <a:lstStyle/>
+          <a:p>
+            <a:r>
+              <a:rPr lang="de-AT" dirty="0"/>
+              <a:t>Traditional Disaster Recovery</a:t>
+            </a:r>
+          </a:p>
+        </p:txBody>
+      </p:sp>
+      <p:sp>
+        <p:nvSpPr>
+          <p:cNvPr id="3" name="Inhaltsplatzhalter 2"/>
+          <p:cNvSpPr>
+            <a:spLocks noGrp="1"/>
+          </p:cNvSpPr>
+          <p:nvPr>
+            <p:ph idx="1"/>
+          </p:nvPr>
+        </p:nvSpPr>
+        <p:spPr/>
+        <p:txBody>
+          <a:bodyPr/>
+          <a:lstStyle/>
+          <a:p>
+            <a:r>
+              <a:rPr lang="de-AT" dirty="0"/>
+              <a:t>Tier </a:t>
+            </a:r>
+            <a:r>
+              <a:rPr lang="de-AT" dirty="0" smtClean="0"/>
+              <a:t>4</a:t>
+            </a:r>
+            <a:r>
+              <a:rPr lang="de-AT" dirty="0"/>
+              <a:t>: Point-in-time </a:t>
+            </a:r>
+            <a:r>
+              <a:rPr lang="de-AT" dirty="0" smtClean="0"/>
+              <a:t>copies</a:t>
+            </a:r>
+          </a:p>
+          <a:p>
+            <a:pPr lvl="1"/>
+            <a:r>
+              <a:rPr lang="de-AT" dirty="0"/>
+              <a:t>Hoher Wert auf Datenkorrektheit und schnellerer </a:t>
+            </a:r>
+            <a:r>
+              <a:rPr lang="de-AT" dirty="0" smtClean="0"/>
+              <a:t>Wiederherstellung</a:t>
+            </a:r>
+          </a:p>
+          <a:p>
+            <a:pPr lvl="1"/>
+            <a:r>
+              <a:rPr lang="de-AT" dirty="0" smtClean="0"/>
+              <a:t>Vorrangig mit Disks</a:t>
+            </a:r>
+          </a:p>
+          <a:p>
+            <a:pPr lvl="1"/>
+            <a:r>
+              <a:rPr lang="de-AT" dirty="0" smtClean="0"/>
+              <a:t>Mehrere Stunden Datenverlust möglich</a:t>
+            </a:r>
+          </a:p>
+          <a:p>
+            <a:pPr lvl="1"/>
+            <a:r>
+              <a:rPr lang="de-AT" dirty="0" smtClean="0"/>
+              <a:t>Einfache Backups dank fixem, variablen Zeitpunkt</a:t>
+            </a:r>
+          </a:p>
+          <a:p>
+            <a:pPr lvl="1"/>
+            <a:endParaRPr lang="de-AT" dirty="0" smtClean="0"/>
+          </a:p>
+          <a:p>
+            <a:r>
+              <a:rPr lang="de-AT" dirty="0"/>
+              <a:t>Tier </a:t>
+            </a:r>
+            <a:r>
+              <a:rPr lang="de-AT" dirty="0" smtClean="0"/>
+              <a:t>5</a:t>
+            </a:r>
+            <a:r>
+              <a:rPr lang="de-AT" dirty="0"/>
+              <a:t>: Transaction integrity</a:t>
+            </a:r>
+          </a:p>
+          <a:p>
+            <a:pPr lvl="1"/>
+            <a:r>
+              <a:rPr lang="de-AT" dirty="0" smtClean="0"/>
+              <a:t>Wenn zwingend erforderlich, dass Daten konsistent</a:t>
+            </a:r>
+          </a:p>
+          <a:p>
+            <a:pPr lvl="1"/>
+            <a:r>
+              <a:rPr lang="de-AT" dirty="0" smtClean="0"/>
+              <a:t>Kaum bis gar kein Datenverlust</a:t>
+            </a:r>
+          </a:p>
+        </p:txBody>
+      </p:sp>
+      <p:sp>
+        <p:nvSpPr>
+          <p:cNvPr id="4" name="Datumsplatzhalter 3"/>
+          <p:cNvSpPr>
+            <a:spLocks noGrp="1"/>
+          </p:cNvSpPr>
+          <p:nvPr>
+            <p:ph type="dt" sz="half" idx="10"/>
+          </p:nvPr>
+        </p:nvSpPr>
+        <p:spPr/>
+        <p:txBody>
+          <a:bodyPr/>
+          <a:lstStyle/>
+          <a:p>
+            <a:r>
+              <a:rPr lang="de-DE" smtClean="0"/>
+              <a:t>02.03.2016</a:t>
+            </a:r>
+            <a:endParaRPr lang="de-DE" dirty="0"/>
+          </a:p>
+        </p:txBody>
+      </p:sp>
+      <p:sp>
+        <p:nvSpPr>
+          <p:cNvPr id="5" name="Fußzeilenplatzhalter 4"/>
+          <p:cNvSpPr>
+            <a:spLocks noGrp="1"/>
+          </p:cNvSpPr>
+          <p:nvPr>
+            <p:ph type="ftr" sz="quarter" idx="11"/>
+          </p:nvPr>
+        </p:nvSpPr>
+        <p:spPr/>
+        <p:txBody>
+          <a:bodyPr/>
+          <a:lstStyle/>
+          <a:p>
+            <a:r>
+              <a:rPr lang="de-DE" smtClean="0"/>
+              <a:t>Disaster Recovery - Michael Weinberger 5BHIT</a:t>
+            </a:r>
+            <a:endParaRPr lang="de-DE" dirty="0"/>
+          </a:p>
+        </p:txBody>
+      </p:sp>
+      <p:sp>
+        <p:nvSpPr>
+          <p:cNvPr id="6" name="Foliennummernplatzhalter 5"/>
+          <p:cNvSpPr>
+            <a:spLocks noGrp="1"/>
+          </p:cNvSpPr>
+          <p:nvPr>
+            <p:ph type="sldNum" sz="quarter" idx="12"/>
+          </p:nvPr>
+        </p:nvSpPr>
+        <p:spPr/>
+        <p:txBody>
+          <a:bodyPr/>
+          <a:lstStyle/>
+          <a:p>
+            <a:fld id="{E31375A4-56A4-47D6-9801-1991572033F7}" type="slidenum">
+              <a:rPr lang="de-DE" smtClean="0"/>
+              <a:t>17</a:t>
+            </a:fld>
+            <a:endParaRPr lang="de-DE" dirty="0"/>
+          </a:p>
+        </p:txBody>
+      </p:sp>
+    </p:spTree>
+    <p:extLst>
+      <p:ext uri="{BB962C8B-B14F-4D97-AF65-F5344CB8AC3E}">
+        <p14:creationId xmlns:p14="http://schemas.microsoft.com/office/powerpoint/2010/main" val="104150417"/>
+      </p:ext>
+    </p:extLst>
+  </p:cSld>
+  <p:clrMapOvr>
+    <a:masterClrMapping/>
+  </p:clrMapOvr>
+  <mc:AlternateContent xmlns:mc="http://schemas.openxmlformats.org/markup-compatibility/2006" xmlns:p14="http://schemas.microsoft.com/office/powerpoint/2010/main">
+    <mc:Choice Requires="p14">
+      <p:transition spd="med" p14:dur="700">
+        <p:fade/>
+      </p:transition>
+    </mc:Choice>
+    <mc:Fallback xmlns="">
+      <p:transition spd="med">
+        <p:fade/>
+      </p:transition>
+    </mc:Fallback>
+  </mc:AlternateContent>
+  <p:timing>
+    <p:tnLst>
+      <p:par>
+        <p:cTn id="1" dur="indefinite" restart="never" nodeType="tmRoot"/>
+      </p:par>
+    </p:tnLst>
+  </p:timing>
+</p:sld>
+</file>
+
+<file path=ppt/slides/slide18.xml><?xml version="1.0" encoding="utf-8"?>
+<p:sld xmlns:a="http://schemas.openxmlformats.org/drawingml/2006/main" xmlns:r="http://schemas.openxmlformats.org/officeDocument/2006/relationships" xmlns:p="http://schemas.openxmlformats.org/presentationml/2006/main">
+  <p:cSld>
+    <p:spTree>
+      <p:nvGrpSpPr>
+        <p:cNvPr id="1" name=""/>
+        <p:cNvGrpSpPr/>
+        <p:nvPr/>
+      </p:nvGrpSpPr>
+      <p:grpSpPr>
+        <a:xfrm>
+          <a:off x="0" y="0"/>
+          <a:ext cx="0" cy="0"/>
+          <a:chOff x="0" y="0"/>
+          <a:chExt cx="0" cy="0"/>
+        </a:xfrm>
+      </p:grpSpPr>
+      <p:sp>
+        <p:nvSpPr>
+          <p:cNvPr id="2" name="Titel 1"/>
+          <p:cNvSpPr>
+            <a:spLocks noGrp="1"/>
+          </p:cNvSpPr>
+          <p:nvPr>
+            <p:ph type="title"/>
+          </p:nvPr>
+        </p:nvSpPr>
+        <p:spPr/>
+        <p:txBody>
+          <a:bodyPr/>
+          <a:lstStyle/>
+          <a:p>
+            <a:r>
+              <a:rPr lang="de-AT" dirty="0"/>
+              <a:t>Traditional Disaster Recovery</a:t>
+            </a:r>
+          </a:p>
+        </p:txBody>
+      </p:sp>
+      <p:sp>
+        <p:nvSpPr>
+          <p:cNvPr id="3" name="Inhaltsplatzhalter 2"/>
+          <p:cNvSpPr>
+            <a:spLocks noGrp="1"/>
+          </p:cNvSpPr>
+          <p:nvPr>
+            <p:ph idx="1"/>
+          </p:nvPr>
+        </p:nvSpPr>
+        <p:spPr/>
+        <p:txBody>
+          <a:bodyPr/>
+          <a:lstStyle/>
+          <a:p>
+            <a:r>
+              <a:rPr lang="de-AT" dirty="0"/>
+              <a:t>Tier </a:t>
+            </a:r>
+            <a:r>
+              <a:rPr lang="de-AT" dirty="0" smtClean="0"/>
+              <a:t>6</a:t>
+            </a:r>
+            <a:r>
+              <a:rPr lang="de-AT" dirty="0"/>
+              <a:t>: Zero or near-Zero data </a:t>
+            </a:r>
+            <a:r>
+              <a:rPr lang="de-AT" dirty="0" smtClean="0"/>
+              <a:t>loss</a:t>
+            </a:r>
+          </a:p>
+          <a:p>
+            <a:pPr lvl="1"/>
+            <a:r>
+              <a:rPr lang="de-AT" dirty="0" smtClean="0"/>
+              <a:t>Höchstes Maß an Datenrichtigkeit</a:t>
+            </a:r>
+          </a:p>
+          <a:p>
+            <a:pPr lvl="1"/>
+            <a:r>
+              <a:rPr lang="de-AT" dirty="0" smtClean="0"/>
+              <a:t>Für Systeme, wo kein Verlust tragbar</a:t>
+            </a:r>
+          </a:p>
+          <a:p>
+            <a:pPr lvl="1"/>
+            <a:r>
+              <a:rPr lang="de-AT" dirty="0" smtClean="0"/>
+              <a:t>Erfordert Disk Mirroring</a:t>
+            </a:r>
+          </a:p>
+          <a:p>
+            <a:pPr lvl="1"/>
+            <a:endParaRPr lang="de-AT" dirty="0" smtClean="0"/>
+          </a:p>
+          <a:p>
+            <a:r>
+              <a:rPr lang="de-AT" dirty="0"/>
+              <a:t>Tier </a:t>
+            </a:r>
+            <a:r>
+              <a:rPr lang="de-AT" dirty="0" smtClean="0"/>
+              <a:t>7</a:t>
+            </a:r>
+            <a:r>
+              <a:rPr lang="de-AT" dirty="0"/>
+              <a:t>: Highly automated, business integrated </a:t>
+            </a:r>
+            <a:r>
+              <a:rPr lang="de-AT" dirty="0" smtClean="0"/>
+              <a:t>solution</a:t>
+            </a:r>
+          </a:p>
+          <a:p>
+            <a:pPr lvl="1"/>
+            <a:r>
+              <a:rPr lang="de-AT" dirty="0" smtClean="0"/>
+              <a:t>Übernimmt Tier 6, fügt Automatisierung hinzu</a:t>
+            </a:r>
+          </a:p>
+          <a:p>
+            <a:pPr lvl="1"/>
+            <a:r>
+              <a:rPr lang="de-AT" dirty="0" smtClean="0"/>
+              <a:t>Desaster automatisch erkannt</a:t>
+            </a:r>
+          </a:p>
+          <a:p>
+            <a:pPr lvl="1"/>
+            <a:r>
+              <a:rPr lang="de-AT" dirty="0" smtClean="0"/>
+              <a:t>Beschleunigt Prozesse, Wiederherstellung automatisch</a:t>
+            </a:r>
+          </a:p>
+          <a:p>
+            <a:pPr lvl="1"/>
+            <a:r>
+              <a:rPr lang="de-AT" dirty="0" smtClean="0"/>
+              <a:t>Downtime: wenige Minuten oder Sekunden</a:t>
+            </a:r>
+          </a:p>
+        </p:txBody>
+      </p:sp>
+      <p:sp>
+        <p:nvSpPr>
+          <p:cNvPr id="4" name="Datumsplatzhalter 3"/>
+          <p:cNvSpPr>
+            <a:spLocks noGrp="1"/>
+          </p:cNvSpPr>
+          <p:nvPr>
+            <p:ph type="dt" sz="half" idx="10"/>
+          </p:nvPr>
+        </p:nvSpPr>
+        <p:spPr/>
+        <p:txBody>
+          <a:bodyPr/>
+          <a:lstStyle/>
+          <a:p>
+            <a:r>
+              <a:rPr lang="de-DE" smtClean="0"/>
+              <a:t>02.03.2016</a:t>
+            </a:r>
+            <a:endParaRPr lang="de-DE" dirty="0"/>
+          </a:p>
+        </p:txBody>
+      </p:sp>
+      <p:sp>
+        <p:nvSpPr>
+          <p:cNvPr id="5" name="Fußzeilenplatzhalter 4"/>
+          <p:cNvSpPr>
+            <a:spLocks noGrp="1"/>
+          </p:cNvSpPr>
+          <p:nvPr>
+            <p:ph type="ftr" sz="quarter" idx="11"/>
+          </p:nvPr>
+        </p:nvSpPr>
+        <p:spPr/>
+        <p:txBody>
+          <a:bodyPr/>
+          <a:lstStyle/>
+          <a:p>
+            <a:r>
+              <a:rPr lang="de-DE" smtClean="0"/>
+              <a:t>Disaster Recovery - Michael Weinberger 5BHIT</a:t>
+            </a:r>
+            <a:endParaRPr lang="de-DE" dirty="0"/>
+          </a:p>
+        </p:txBody>
+      </p:sp>
+      <p:sp>
+        <p:nvSpPr>
+          <p:cNvPr id="6" name="Foliennummernplatzhalter 5"/>
+          <p:cNvSpPr>
+            <a:spLocks noGrp="1"/>
+          </p:cNvSpPr>
+          <p:nvPr>
+            <p:ph type="sldNum" sz="quarter" idx="12"/>
+          </p:nvPr>
+        </p:nvSpPr>
+        <p:spPr/>
+        <p:txBody>
+          <a:bodyPr/>
+          <a:lstStyle/>
+          <a:p>
+            <a:fld id="{E31375A4-56A4-47D6-9801-1991572033F7}" type="slidenum">
+              <a:rPr lang="de-DE" smtClean="0"/>
+              <a:t>18</a:t>
+            </a:fld>
+            <a:endParaRPr lang="de-DE" dirty="0"/>
+          </a:p>
+        </p:txBody>
+      </p:sp>
+    </p:spTree>
+    <p:extLst>
+      <p:ext uri="{BB962C8B-B14F-4D97-AF65-F5344CB8AC3E}">
+        <p14:creationId xmlns:p14="http://schemas.microsoft.com/office/powerpoint/2010/main" val="2932909929"/>
+      </p:ext>
+    </p:extLst>
+  </p:cSld>
+  <p:clrMapOvr>
+    <a:masterClrMapping/>
+  </p:clrMapOvr>
+  <mc:AlternateContent xmlns:mc="http://schemas.openxmlformats.org/markup-compatibility/2006" xmlns:p14="http://schemas.microsoft.com/office/powerpoint/2010/main">
+    <mc:Choice Requires="p14">
+      <p:transition spd="med" p14:dur="700">
+        <p:fade/>
+      </p:transition>
+    </mc:Choice>
+    <mc:Fallback xmlns="">
+      <p:transition spd="med">
+        <p:fade/>
+      </p:transition>
+    </mc:Fallback>
+  </mc:AlternateContent>
+  <p:timing>
+    <p:tnLst>
+      <p:par>
+        <p:cTn id="1" dur="indefinite" restart="never" nodeType="tmRoot"/>
+      </p:par>
+    </p:tnLst>
+  </p:timing>
+</p:sld>
+</file>
+
+<file path=ppt/slides/slide19.xml><?xml version="1.0" encoding="utf-8"?>
+<p:sld xmlns:a="http://schemas.openxmlformats.org/drawingml/2006/main" xmlns:r="http://schemas.openxmlformats.org/officeDocument/2006/relationships" xmlns:p="http://schemas.openxmlformats.org/presentationml/2006/main">
+  <p:cSld>
+    <p:spTree>
+      <p:nvGrpSpPr>
+        <p:cNvPr id="1" name=""/>
+        <p:cNvGrpSpPr/>
+        <p:nvPr/>
+      </p:nvGrpSpPr>
+      <p:grpSpPr>
+        <a:xfrm>
+          <a:off x="0" y="0"/>
+          <a:ext cx="0" cy="0"/>
+          <a:chOff x="0" y="0"/>
+          <a:chExt cx="0" cy="0"/>
+        </a:xfrm>
+      </p:grpSpPr>
+      <p:sp>
+        <p:nvSpPr>
+          <p:cNvPr id="2" name="Titel 1"/>
+          <p:cNvSpPr>
+            <a:spLocks noGrp="1"/>
+          </p:cNvSpPr>
+          <p:nvPr>
+            <p:ph type="title"/>
+          </p:nvPr>
+        </p:nvSpPr>
+        <p:spPr/>
+        <p:txBody>
+          <a:bodyPr/>
+          <a:lstStyle/>
+          <a:p>
+            <a:r>
+              <a:rPr lang="de-AT" dirty="0" smtClean="0"/>
+              <a:t>Disaster Recovery as a Service</a:t>
+            </a:r>
+            <a:endParaRPr lang="de-AT" dirty="0"/>
+          </a:p>
+        </p:txBody>
+      </p:sp>
+      <p:sp>
+        <p:nvSpPr>
+          <p:cNvPr id="3" name="Inhaltsplatzhalter 2"/>
+          <p:cNvSpPr>
+            <a:spLocks noGrp="1"/>
+          </p:cNvSpPr>
+          <p:nvPr>
+            <p:ph idx="1"/>
+          </p:nvPr>
+        </p:nvSpPr>
+        <p:spPr/>
+        <p:txBody>
+          <a:bodyPr/>
+          <a:lstStyle/>
+          <a:p>
+            <a:r>
+              <a:rPr lang="de-AT" dirty="0" smtClean="0"/>
+              <a:t>Unterkategorie des Cloud Computing</a:t>
+            </a:r>
+          </a:p>
+          <a:p>
+            <a:r>
+              <a:rPr lang="de-AT" dirty="0" smtClean="0"/>
+              <a:t>Zuverlässige Form des Disaster Recovery</a:t>
+            </a:r>
+          </a:p>
+          <a:p>
+            <a:endParaRPr lang="de-AT" dirty="0"/>
+          </a:p>
+          <a:p>
+            <a:r>
+              <a:rPr lang="de-AT" dirty="0" smtClean="0"/>
+              <a:t>Abgrenzung zu cloudbasierten Backups</a:t>
+            </a:r>
+          </a:p>
+          <a:p>
+            <a:r>
+              <a:rPr lang="de-AT" dirty="0" smtClean="0"/>
+              <a:t>Effizienter, billiger als Warm Site &amp; Hot Site</a:t>
+            </a:r>
+          </a:p>
+          <a:p>
+            <a:r>
+              <a:rPr lang="de-AT" dirty="0" smtClean="0"/>
+              <a:t>Sandboxes</a:t>
+            </a:r>
+            <a:endParaRPr lang="de-AT" dirty="0"/>
+          </a:p>
+        </p:txBody>
+      </p:sp>
+      <p:sp>
+        <p:nvSpPr>
+          <p:cNvPr id="4" name="Datumsplatzhalter 3"/>
+          <p:cNvSpPr>
+            <a:spLocks noGrp="1"/>
+          </p:cNvSpPr>
+          <p:nvPr>
+            <p:ph type="dt" sz="half" idx="10"/>
+          </p:nvPr>
+        </p:nvSpPr>
+        <p:spPr/>
+        <p:txBody>
+          <a:bodyPr/>
+          <a:lstStyle/>
+          <a:p>
+            <a:r>
+              <a:rPr lang="de-DE" smtClean="0"/>
+              <a:t>02.03.2016</a:t>
+            </a:r>
+            <a:endParaRPr lang="de-DE" dirty="0"/>
+          </a:p>
+        </p:txBody>
+      </p:sp>
+      <p:sp>
+        <p:nvSpPr>
+          <p:cNvPr id="5" name="Fußzeilenplatzhalter 4"/>
+          <p:cNvSpPr>
+            <a:spLocks noGrp="1"/>
+          </p:cNvSpPr>
+          <p:nvPr>
+            <p:ph type="ftr" sz="quarter" idx="11"/>
+          </p:nvPr>
+        </p:nvSpPr>
+        <p:spPr/>
+        <p:txBody>
+          <a:bodyPr/>
+          <a:lstStyle/>
+          <a:p>
+            <a:r>
+              <a:rPr lang="de-DE" smtClean="0"/>
+              <a:t>Disaster Recovery - Michael Weinberger 5BHIT</a:t>
+            </a:r>
+            <a:endParaRPr lang="de-DE" dirty="0"/>
+          </a:p>
+        </p:txBody>
+      </p:sp>
+      <p:sp>
+        <p:nvSpPr>
+          <p:cNvPr id="6" name="Foliennummernplatzhalter 5"/>
+          <p:cNvSpPr>
+            <a:spLocks noGrp="1"/>
+          </p:cNvSpPr>
+          <p:nvPr>
+            <p:ph type="sldNum" sz="quarter" idx="12"/>
+          </p:nvPr>
+        </p:nvSpPr>
+        <p:spPr/>
+        <p:txBody>
+          <a:bodyPr/>
+          <a:lstStyle/>
+          <a:p>
+            <a:fld id="{E31375A4-56A4-47D6-9801-1991572033F7}" type="slidenum">
+              <a:rPr lang="de-DE" smtClean="0"/>
+              <a:t>19</a:t>
+            </a:fld>
+            <a:endParaRPr lang="de-DE" dirty="0"/>
+          </a:p>
+        </p:txBody>
+      </p:sp>
+    </p:spTree>
+    <p:extLst>
+      <p:ext uri="{BB962C8B-B14F-4D97-AF65-F5344CB8AC3E}">
+        <p14:creationId xmlns:p14="http://schemas.microsoft.com/office/powerpoint/2010/main" val="2326051116"/>
+      </p:ext>
+    </p:extLst>
+  </p:cSld>
+  <p:clrMapOvr>
+    <a:masterClrMapping/>
+  </p:clrMapOvr>
+  <mc:AlternateContent xmlns:mc="http://schemas.openxmlformats.org/markup-compatibility/2006" xmlns:p14="http://schemas.microsoft.com/office/powerpoint/2010/main">
+    <mc:Choice Requires="p14">
+      <p:transition spd="med" p14:dur="700">
+        <p:fade/>
+      </p:transition>
+    </mc:Choice>
+    <mc:Fallback xmlns="">
+      <p:transition spd="med">
+        <p:fade/>
+      </p:transition>
+    </mc:Fallback>
+  </mc:AlternateContent>
+  <p:timing>
+    <p:tnLst>
+      <p:par>
+        <p:cTn id="1" dur="indefinite" restart="never" nodeType="tmRoot"/>
+      </p:par>
+    </p:tnLst>
+  </p:timing>
+</p:sld>
+</file>
+
+<file path=ppt/slides/slide2.xml><?xml version="1.0" encoding="utf-8"?>
+<p:sld xmlns:a="http://schemas.openxmlformats.org/drawingml/2006/main" xmlns:r="http://schemas.openxmlformats.org/officeDocument/2006/relationships" xmlns:p="http://schemas.openxmlformats.org/presentationml/2006/main">
+  <p:cSld>
+    <p:bg>
+      <p:bgPr>
+        <a:blipFill dpi="0" rotWithShape="1">
+          <a:blip r:embed="rId4">
+            <a:lum/>
+          </a:blip>
+          <a:srcRect/>
+          <a:stretch>
+            <a:fillRect/>
+          </a:stretch>
+        </a:blipFill>
+        <a:effectLst/>
+      </p:bgPr>
+    </p:bg>
+    <p:spTree>
+      <p:nvGrpSpPr>
+        <p:cNvPr id="1" name=""/>
+        <p:cNvGrpSpPr/>
+        <p:nvPr/>
+      </p:nvGrpSpPr>
+      <p:grpSpPr>
+        <a:xfrm>
+          <a:off x="0" y="0"/>
+          <a:ext cx="0" cy="0"/>
+          <a:chOff x="0" y="0"/>
+          <a:chExt cx="0" cy="0"/>
+        </a:xfrm>
+      </p:grpSpPr>
+      <p:sp>
+        <p:nvSpPr>
+          <p:cNvPr id="2" name="Titel 1"/>
+          <p:cNvSpPr>
+            <a:spLocks noGrp="1"/>
+          </p:cNvSpPr>
+          <p:nvPr>
+            <p:ph type="title"/>
+          </p:nvPr>
+        </p:nvSpPr>
+        <p:spPr/>
+        <p:txBody>
+          <a:bodyPr/>
+          <a:lstStyle/>
+          <a:p>
+            <a:r>
+              <a:rPr lang="de-AT" dirty="0" smtClean="0"/>
+              <a:t>Überblick</a:t>
+            </a:r>
+            <a:endParaRPr lang="de-AT" dirty="0"/>
+          </a:p>
+        </p:txBody>
+      </p:sp>
+      <p:sp>
+        <p:nvSpPr>
+          <p:cNvPr id="3" name="Inhaltsplatzhalter 2"/>
+          <p:cNvSpPr>
+            <a:spLocks noGrp="1"/>
+          </p:cNvSpPr>
+          <p:nvPr>
+            <p:ph idx="1"/>
+          </p:nvPr>
+        </p:nvSpPr>
+        <p:spPr/>
+        <p:txBody>
+          <a:bodyPr/>
+          <a:lstStyle/>
+          <a:p>
+            <a:r>
+              <a:rPr lang="de-AT" dirty="0" smtClean="0"/>
+              <a:t>Grundlagen &amp; Definitionen</a:t>
+            </a:r>
+          </a:p>
+          <a:p>
+            <a:r>
+              <a:rPr lang="de-AT" dirty="0" smtClean="0"/>
+              <a:t>Disaster Recovery Plan, Business Continuity</a:t>
+            </a:r>
+          </a:p>
+          <a:p>
+            <a:r>
+              <a:rPr lang="de-AT" dirty="0" smtClean="0"/>
+              <a:t>Was ist eine Katastrophe? Problem der Downtime &amp; Kosten, Fehlertoleranz</a:t>
+            </a:r>
+          </a:p>
+          <a:p>
+            <a:r>
+              <a:rPr lang="de-AT" dirty="0" smtClean="0"/>
+              <a:t>Aufstellen eines DRP, Cluster &lt;-&gt; Disaster Recovery</a:t>
+            </a:r>
+          </a:p>
+          <a:p>
+            <a:r>
+              <a:rPr lang="de-AT" dirty="0"/>
+              <a:t>Seven tiers of disaster </a:t>
+            </a:r>
+            <a:r>
+              <a:rPr lang="de-AT" dirty="0" smtClean="0"/>
+              <a:t>recovery</a:t>
+            </a:r>
+          </a:p>
+          <a:p>
+            <a:r>
+              <a:rPr lang="de-AT" dirty="0" smtClean="0"/>
+              <a:t>DRaaS</a:t>
+            </a:r>
+            <a:endParaRPr lang="de-AT" dirty="0"/>
+          </a:p>
+        </p:txBody>
+      </p:sp>
+      <p:sp>
+        <p:nvSpPr>
+          <p:cNvPr id="4" name="Datumsplatzhalter 3"/>
+          <p:cNvSpPr>
+            <a:spLocks noGrp="1"/>
+          </p:cNvSpPr>
+          <p:nvPr>
+            <p:ph type="dt" sz="half" idx="10"/>
+          </p:nvPr>
+        </p:nvSpPr>
+        <p:spPr/>
+        <p:txBody>
+          <a:bodyPr/>
+          <a:lstStyle/>
+          <a:p>
+            <a:r>
+              <a:rPr lang="de-DE" dirty="0" smtClean="0"/>
+              <a:t>02.03.2016</a:t>
+            </a:r>
+            <a:endParaRPr lang="de-DE" dirty="0"/>
+          </a:p>
+        </p:txBody>
+      </p:sp>
+      <p:sp>
+        <p:nvSpPr>
+          <p:cNvPr id="5" name="Fußzeilenplatzhalter 4"/>
+          <p:cNvSpPr>
+            <a:spLocks noGrp="1"/>
+          </p:cNvSpPr>
+          <p:nvPr>
+            <p:ph type="ftr" sz="quarter" idx="11"/>
+          </p:nvPr>
+        </p:nvSpPr>
+        <p:spPr/>
+        <p:txBody>
+          <a:bodyPr/>
+          <a:lstStyle/>
+          <a:p>
+            <a:r>
+              <a:rPr lang="de-DE" dirty="0" smtClean="0"/>
+              <a:t>Disaster Recovery - Michael Weinberger 5BHIT</a:t>
+            </a:r>
+            <a:endParaRPr lang="de-DE" dirty="0"/>
+          </a:p>
+        </p:txBody>
+      </p:sp>
+      <p:sp>
+        <p:nvSpPr>
+          <p:cNvPr id="6" name="Foliennummernplatzhalter 5"/>
+          <p:cNvSpPr>
+            <a:spLocks noGrp="1"/>
+          </p:cNvSpPr>
+          <p:nvPr>
+            <p:ph type="sldNum" sz="quarter" idx="12"/>
+          </p:nvPr>
+        </p:nvSpPr>
+        <p:spPr/>
+        <p:txBody>
+          <a:bodyPr/>
+          <a:lstStyle/>
+          <a:p>
+            <a:fld id="{E31375A4-56A4-47D6-9801-1991572033F7}" type="slidenum">
+              <a:rPr lang="de-DE" smtClean="0"/>
+              <a:t>2</a:t>
+            </a:fld>
+            <a:endParaRPr lang="de-DE" dirty="0"/>
+          </a:p>
+        </p:txBody>
+      </p:sp>
+    </p:spTree>
+    <p:extLst>
+      <p:ext uri="{BB962C8B-B14F-4D97-AF65-F5344CB8AC3E}">
+        <p14:creationId xmlns:p14="http://schemas.microsoft.com/office/powerpoint/2010/main" val="2085235237"/>
+      </p:ext>
+    </p:extLst>
+  </p:cSld>
+  <p:clrMapOvr>
+    <a:overrideClrMapping bg1="dk1" tx1="lt1" bg2="dk2" tx2="lt2" accent1="accent1" accent2="accent2" accent3="accent3" accent4="accent4" accent5="accent5" accent6="accent6" hlink="hlink" folHlink="folHlink"/>
+  </p:clrMapOvr>
+  <mc:AlternateContent xmlns:mc="http://schemas.openxmlformats.org/markup-compatibility/2006" xmlns:p14="http://schemas.microsoft.com/office/powerpoint/2010/main">
+    <mc:Choice Requires="p14">
+      <p:transition spd="med" p14:dur="700">
+        <p:fade/>
+      </p:transition>
+    </mc:Choice>
+    <mc:Fallback xmlns="">
+      <p:transition spd="med">
+        <p:fade/>
+      </p:transition>
+    </mc:Fallback>
+  </mc:AlternateContent>
+  <p:timing>
+    <p:tnLst>
+      <p:par>
+        <p:cTn id="1" dur="indefinite" restart="never" nodeType="tmRoot"/>
+      </p:par>
+    </p:tnLst>
+  </p:timing>
+</p:sld>
+</file>
+
+<file path=ppt/slides/slide20.xml><?xml version="1.0" encoding="utf-8"?>
+<p:sld xmlns:a="http://schemas.openxmlformats.org/drawingml/2006/main" xmlns:r="http://schemas.openxmlformats.org/officeDocument/2006/relationships" xmlns:p="http://schemas.openxmlformats.org/presentationml/2006/main">
+  <p:cSld>
+    <p:spTree>
+      <p:nvGrpSpPr>
+        <p:cNvPr id="1" name=""/>
+        <p:cNvGrpSpPr/>
+        <p:nvPr/>
+      </p:nvGrpSpPr>
+      <p:grpSpPr>
+        <a:xfrm>
+          <a:off x="0" y="0"/>
+          <a:ext cx="0" cy="0"/>
+          <a:chOff x="0" y="0"/>
+          <a:chExt cx="0" cy="0"/>
+        </a:xfrm>
+      </p:grpSpPr>
+      <p:sp>
+        <p:nvSpPr>
+          <p:cNvPr id="2" name="Titel 1"/>
+          <p:cNvSpPr>
+            <a:spLocks noGrp="1"/>
+          </p:cNvSpPr>
+          <p:nvPr>
+            <p:ph type="title"/>
+          </p:nvPr>
+        </p:nvSpPr>
+        <p:spPr/>
+        <p:txBody>
+          <a:bodyPr/>
+          <a:lstStyle/>
+          <a:p>
             <a:endParaRPr lang="de-AT"/>
           </a:p>
         </p:txBody>
@@ -5028,7 +7030,7 @@
           <a:p>
             <a:fld id="{E31375A4-56A4-47D6-9801-1991572033F7}" type="slidenum">
               <a:rPr lang="de-DE" smtClean="0"/>
-              <a:t>5</a:t>
+              <a:t>20</a:t>
             </a:fld>
             <a:endParaRPr lang="de-DE" dirty="0"/>
           </a:p>
@@ -5062,6 +7064,1778 @@
     <p:extLst>
       <p:ext uri="{BB962C8B-B14F-4D97-AF65-F5344CB8AC3E}">
         <p14:creationId xmlns:p14="http://schemas.microsoft.com/office/powerpoint/2010/main" val="3064191720"/>
+      </p:ext>
+    </p:extLst>
+  </p:cSld>
+  <p:clrMapOvr>
+    <a:masterClrMapping/>
+  </p:clrMapOvr>
+  <mc:AlternateContent xmlns:mc="http://schemas.openxmlformats.org/markup-compatibility/2006" xmlns:p14="http://schemas.microsoft.com/office/powerpoint/2010/main">
+    <mc:Choice Requires="p14">
+      <p:transition spd="med" p14:dur="700">
+        <p:fade/>
+      </p:transition>
+    </mc:Choice>
+    <mc:Fallback xmlns="">
+      <p:transition spd="med">
+        <p:fade/>
+      </p:transition>
+    </mc:Fallback>
+  </mc:AlternateContent>
+  <p:timing>
+    <p:tnLst>
+      <p:par>
+        <p:cTn id="1" dur="indefinite" restart="never" nodeType="tmRoot"/>
+      </p:par>
+    </p:tnLst>
+  </p:timing>
+</p:sld>
+</file>
+
+<file path=ppt/slides/slide21.xml><?xml version="1.0" encoding="utf-8"?>
+<p:sld xmlns:a="http://schemas.openxmlformats.org/drawingml/2006/main" xmlns:r="http://schemas.openxmlformats.org/officeDocument/2006/relationships" xmlns:p="http://schemas.openxmlformats.org/presentationml/2006/main">
+  <p:cSld>
+    <p:spTree>
+      <p:nvGrpSpPr>
+        <p:cNvPr id="1" name=""/>
+        <p:cNvGrpSpPr/>
+        <p:nvPr/>
+      </p:nvGrpSpPr>
+      <p:grpSpPr>
+        <a:xfrm>
+          <a:off x="0" y="0"/>
+          <a:ext cx="0" cy="0"/>
+          <a:chOff x="0" y="0"/>
+          <a:chExt cx="0" cy="0"/>
+        </a:xfrm>
+      </p:grpSpPr>
+      <p:sp>
+        <p:nvSpPr>
+          <p:cNvPr id="2" name="Titel 1"/>
+          <p:cNvSpPr>
+            <a:spLocks noGrp="1"/>
+          </p:cNvSpPr>
+          <p:nvPr>
+            <p:ph type="title"/>
+          </p:nvPr>
+        </p:nvSpPr>
+        <p:spPr/>
+        <p:txBody>
+          <a:bodyPr/>
+          <a:lstStyle/>
+          <a:p>
+            <a:r>
+              <a:rPr lang="de-AT" dirty="0" smtClean="0"/>
+              <a:t>RaaS Architektur</a:t>
+            </a:r>
+            <a:endParaRPr lang="de-AT" dirty="0"/>
+          </a:p>
+        </p:txBody>
+      </p:sp>
+      <p:sp>
+        <p:nvSpPr>
+          <p:cNvPr id="3" name="Inhaltsplatzhalter 2"/>
+          <p:cNvSpPr>
+            <a:spLocks noGrp="1"/>
+          </p:cNvSpPr>
+          <p:nvPr>
+            <p:ph idx="1"/>
+          </p:nvPr>
+        </p:nvSpPr>
+        <p:spPr/>
+        <p:txBody>
+          <a:bodyPr/>
+          <a:lstStyle/>
+          <a:p>
+            <a:r>
+              <a:rPr lang="de-AT" dirty="0" smtClean="0"/>
+              <a:t>To-Clooud RaaS 	</a:t>
+            </a:r>
+            <a:r>
+              <a:rPr lang="de-AT" dirty="0" smtClean="0">
+                <a:sym typeface="Wingdings" panose="05000000000000000000" pitchFamily="2" charset="2"/>
+              </a:rPr>
+              <a:t> Zielanwendung privat, Backup in der Cloud</a:t>
+            </a:r>
+          </a:p>
+          <a:p>
+            <a:endParaRPr lang="de-AT" dirty="0">
+              <a:sym typeface="Wingdings" panose="05000000000000000000" pitchFamily="2" charset="2"/>
+            </a:endParaRPr>
+          </a:p>
+          <a:p>
+            <a:r>
+              <a:rPr lang="de-AT" dirty="0" smtClean="0">
+                <a:sym typeface="Wingdings" panose="05000000000000000000" pitchFamily="2" charset="2"/>
+              </a:rPr>
+              <a:t>In-Cloud RaaS 		 Zielanwendung und Recovery-Sites in Cloud</a:t>
+            </a:r>
+          </a:p>
+          <a:p>
+            <a:endParaRPr lang="de-AT" dirty="0">
+              <a:sym typeface="Wingdings" panose="05000000000000000000" pitchFamily="2" charset="2"/>
+            </a:endParaRPr>
+          </a:p>
+          <a:p>
+            <a:r>
+              <a:rPr lang="de-AT" dirty="0" smtClean="0">
+                <a:sym typeface="Wingdings" panose="05000000000000000000" pitchFamily="2" charset="2"/>
+              </a:rPr>
+              <a:t>From-Cloud RaaS 	 Primärdaten in Cloud, Backup-Target privat</a:t>
+            </a:r>
+          </a:p>
+          <a:p>
+            <a:endParaRPr lang="de-AT" dirty="0">
+              <a:sym typeface="Wingdings" panose="05000000000000000000" pitchFamily="2" charset="2"/>
+            </a:endParaRPr>
+          </a:p>
+          <a:p>
+            <a:r>
+              <a:rPr lang="de-AT" dirty="0" smtClean="0">
+                <a:sym typeface="Wingdings" panose="05000000000000000000" pitchFamily="2" charset="2"/>
+              </a:rPr>
+              <a:t>Namhafte Hersteller bieten Implementierungen:</a:t>
+            </a:r>
+          </a:p>
+          <a:p>
+            <a:pPr lvl="1"/>
+            <a:r>
+              <a:rPr lang="de-AT" dirty="0" smtClean="0">
+                <a:sym typeface="Wingdings" panose="05000000000000000000" pitchFamily="2" charset="2"/>
+              </a:rPr>
+              <a:t>VMware, Zerto, Amazon AWS, Bluelock, Microsoft Azure</a:t>
+            </a:r>
+          </a:p>
+          <a:p>
+            <a:pPr lvl="2"/>
+            <a:r>
+              <a:rPr lang="de-AT" dirty="0" smtClean="0">
+                <a:sym typeface="Wingdings" panose="05000000000000000000" pitchFamily="2" charset="2"/>
+              </a:rPr>
+              <a:t>Preis nicht fix, je nach System, selber verhandelbar mit Hersteller</a:t>
+            </a:r>
+          </a:p>
+        </p:txBody>
+      </p:sp>
+      <p:sp>
+        <p:nvSpPr>
+          <p:cNvPr id="4" name="Datumsplatzhalter 3"/>
+          <p:cNvSpPr>
+            <a:spLocks noGrp="1"/>
+          </p:cNvSpPr>
+          <p:nvPr>
+            <p:ph type="dt" sz="half" idx="10"/>
+          </p:nvPr>
+        </p:nvSpPr>
+        <p:spPr/>
+        <p:txBody>
+          <a:bodyPr/>
+          <a:lstStyle/>
+          <a:p>
+            <a:r>
+              <a:rPr lang="de-DE" smtClean="0"/>
+              <a:t>02.03.2016</a:t>
+            </a:r>
+            <a:endParaRPr lang="de-DE" dirty="0"/>
+          </a:p>
+        </p:txBody>
+      </p:sp>
+      <p:sp>
+        <p:nvSpPr>
+          <p:cNvPr id="5" name="Fußzeilenplatzhalter 4"/>
+          <p:cNvSpPr>
+            <a:spLocks noGrp="1"/>
+          </p:cNvSpPr>
+          <p:nvPr>
+            <p:ph type="ftr" sz="quarter" idx="11"/>
+          </p:nvPr>
+        </p:nvSpPr>
+        <p:spPr/>
+        <p:txBody>
+          <a:bodyPr/>
+          <a:lstStyle/>
+          <a:p>
+            <a:r>
+              <a:rPr lang="de-DE" smtClean="0"/>
+              <a:t>Disaster Recovery - Michael Weinberger 5BHIT</a:t>
+            </a:r>
+            <a:endParaRPr lang="de-DE" dirty="0"/>
+          </a:p>
+        </p:txBody>
+      </p:sp>
+      <p:sp>
+        <p:nvSpPr>
+          <p:cNvPr id="6" name="Foliennummernplatzhalter 5"/>
+          <p:cNvSpPr>
+            <a:spLocks noGrp="1"/>
+          </p:cNvSpPr>
+          <p:nvPr>
+            <p:ph type="sldNum" sz="quarter" idx="12"/>
+          </p:nvPr>
+        </p:nvSpPr>
+        <p:spPr/>
+        <p:txBody>
+          <a:bodyPr/>
+          <a:lstStyle/>
+          <a:p>
+            <a:fld id="{E31375A4-56A4-47D6-9801-1991572033F7}" type="slidenum">
+              <a:rPr lang="de-DE" smtClean="0"/>
+              <a:t>21</a:t>
+            </a:fld>
+            <a:endParaRPr lang="de-DE" dirty="0"/>
+          </a:p>
+        </p:txBody>
+      </p:sp>
+    </p:spTree>
+    <p:extLst>
+      <p:ext uri="{BB962C8B-B14F-4D97-AF65-F5344CB8AC3E}">
+        <p14:creationId xmlns:p14="http://schemas.microsoft.com/office/powerpoint/2010/main" val="3560082345"/>
+      </p:ext>
+    </p:extLst>
+  </p:cSld>
+  <p:clrMapOvr>
+    <a:masterClrMapping/>
+  </p:clrMapOvr>
+  <mc:AlternateContent xmlns:mc="http://schemas.openxmlformats.org/markup-compatibility/2006" xmlns:p14="http://schemas.microsoft.com/office/powerpoint/2010/main">
+    <mc:Choice Requires="p14">
+      <p:transition spd="med" p14:dur="700">
+        <p:fade/>
+      </p:transition>
+    </mc:Choice>
+    <mc:Fallback xmlns="">
+      <p:transition spd="med">
+        <p:fade/>
+      </p:transition>
+    </mc:Fallback>
+  </mc:AlternateContent>
+  <p:timing>
+    <p:tnLst>
+      <p:par>
+        <p:cTn id="1" dur="indefinite" restart="never" nodeType="tmRoot"/>
+      </p:par>
+    </p:tnLst>
+  </p:timing>
+</p:sld>
+</file>
+
+<file path=ppt/slides/slide22.xml><?xml version="1.0" encoding="utf-8"?>
+<p:sld xmlns:a="http://schemas.openxmlformats.org/drawingml/2006/main" xmlns:r="http://schemas.openxmlformats.org/officeDocument/2006/relationships" xmlns:p="http://schemas.openxmlformats.org/presentationml/2006/main">
+  <p:cSld>
+    <p:spTree>
+      <p:nvGrpSpPr>
+        <p:cNvPr id="1" name=""/>
+        <p:cNvGrpSpPr/>
+        <p:nvPr/>
+      </p:nvGrpSpPr>
+      <p:grpSpPr>
+        <a:xfrm>
+          <a:off x="0" y="0"/>
+          <a:ext cx="0" cy="0"/>
+          <a:chOff x="0" y="0"/>
+          <a:chExt cx="0" cy="0"/>
+        </a:xfrm>
+      </p:grpSpPr>
+      <p:sp>
+        <p:nvSpPr>
+          <p:cNvPr id="2" name="Titel 1"/>
+          <p:cNvSpPr>
+            <a:spLocks noGrp="1"/>
+          </p:cNvSpPr>
+          <p:nvPr>
+            <p:ph type="title"/>
+          </p:nvPr>
+        </p:nvSpPr>
+        <p:spPr/>
+        <p:txBody>
+          <a:bodyPr/>
+          <a:lstStyle/>
+          <a:p>
+            <a:pPr algn="ctr"/>
+            <a:r>
+              <a:rPr lang="de-AT" dirty="0" smtClean="0"/>
+              <a:t>Vielen Dank für eure Aufmerksamkeit!</a:t>
+            </a:r>
+            <a:endParaRPr lang="de-AT" dirty="0"/>
+          </a:p>
+        </p:txBody>
+      </p:sp>
+      <p:sp>
+        <p:nvSpPr>
+          <p:cNvPr id="3" name="Inhaltsplatzhalter 2"/>
+          <p:cNvSpPr>
+            <a:spLocks noGrp="1"/>
+          </p:cNvSpPr>
+          <p:nvPr>
+            <p:ph idx="1"/>
+          </p:nvPr>
+        </p:nvSpPr>
+        <p:spPr/>
+        <p:txBody>
+          <a:bodyPr anchor="ctr">
+            <a:normAutofit/>
+          </a:bodyPr>
+          <a:lstStyle/>
+          <a:p>
+            <a:pPr marL="0" indent="0" algn="ctr">
+              <a:buNone/>
+            </a:pPr>
+            <a:r>
+              <a:rPr lang="de-AT" sz="3200" dirty="0" smtClean="0"/>
+              <a:t>Gibt es Fragen?</a:t>
+            </a:r>
+            <a:endParaRPr lang="de-AT" sz="3200" dirty="0"/>
+          </a:p>
+        </p:txBody>
+      </p:sp>
+      <p:sp>
+        <p:nvSpPr>
+          <p:cNvPr id="4" name="Datumsplatzhalter 3"/>
+          <p:cNvSpPr>
+            <a:spLocks noGrp="1"/>
+          </p:cNvSpPr>
+          <p:nvPr>
+            <p:ph type="dt" sz="half" idx="10"/>
+          </p:nvPr>
+        </p:nvSpPr>
+        <p:spPr/>
+        <p:txBody>
+          <a:bodyPr/>
+          <a:lstStyle/>
+          <a:p>
+            <a:r>
+              <a:rPr lang="de-DE" smtClean="0"/>
+              <a:t>02.03.2016</a:t>
+            </a:r>
+            <a:endParaRPr lang="de-DE" dirty="0"/>
+          </a:p>
+        </p:txBody>
+      </p:sp>
+      <p:sp>
+        <p:nvSpPr>
+          <p:cNvPr id="5" name="Fußzeilenplatzhalter 4"/>
+          <p:cNvSpPr>
+            <a:spLocks noGrp="1"/>
+          </p:cNvSpPr>
+          <p:nvPr>
+            <p:ph type="ftr" sz="quarter" idx="11"/>
+          </p:nvPr>
+        </p:nvSpPr>
+        <p:spPr/>
+        <p:txBody>
+          <a:bodyPr/>
+          <a:lstStyle/>
+          <a:p>
+            <a:r>
+              <a:rPr lang="de-DE" smtClean="0"/>
+              <a:t>Disaster Recovery - Michael Weinberger 5BHIT</a:t>
+            </a:r>
+            <a:endParaRPr lang="de-DE" dirty="0"/>
+          </a:p>
+        </p:txBody>
+      </p:sp>
+      <p:sp>
+        <p:nvSpPr>
+          <p:cNvPr id="6" name="Foliennummernplatzhalter 5"/>
+          <p:cNvSpPr>
+            <a:spLocks noGrp="1"/>
+          </p:cNvSpPr>
+          <p:nvPr>
+            <p:ph type="sldNum" sz="quarter" idx="12"/>
+          </p:nvPr>
+        </p:nvSpPr>
+        <p:spPr/>
+        <p:txBody>
+          <a:bodyPr/>
+          <a:lstStyle/>
+          <a:p>
+            <a:fld id="{E31375A4-56A4-47D6-9801-1991572033F7}" type="slidenum">
+              <a:rPr lang="de-DE" smtClean="0"/>
+              <a:t>22</a:t>
+            </a:fld>
+            <a:endParaRPr lang="de-DE" dirty="0"/>
+          </a:p>
+        </p:txBody>
+      </p:sp>
+    </p:spTree>
+    <p:extLst>
+      <p:ext uri="{BB962C8B-B14F-4D97-AF65-F5344CB8AC3E}">
+        <p14:creationId xmlns:p14="http://schemas.microsoft.com/office/powerpoint/2010/main" val="3902051236"/>
+      </p:ext>
+    </p:extLst>
+  </p:cSld>
+  <p:clrMapOvr>
+    <a:masterClrMapping/>
+  </p:clrMapOvr>
+  <mc:AlternateContent xmlns:mc="http://schemas.openxmlformats.org/markup-compatibility/2006" xmlns:p14="http://schemas.microsoft.com/office/powerpoint/2010/main">
+    <mc:Choice Requires="p14">
+      <p:transition spd="med" p14:dur="700">
+        <p:fade/>
+      </p:transition>
+    </mc:Choice>
+    <mc:Fallback xmlns="">
+      <p:transition spd="med">
+        <p:fade/>
+      </p:transition>
+    </mc:Fallback>
+  </mc:AlternateContent>
+  <p:timing>
+    <p:tnLst>
+      <p:par>
+        <p:cTn id="1" dur="indefinite" restart="never" nodeType="tmRoot"/>
+      </p:par>
+    </p:tnLst>
+  </p:timing>
+</p:sld>
+</file>
+
+<file path=ppt/slides/slide3.xml><?xml version="1.0" encoding="utf-8"?>
+<p:sld xmlns:a="http://schemas.openxmlformats.org/drawingml/2006/main" xmlns:r="http://schemas.openxmlformats.org/officeDocument/2006/relationships" xmlns:p="http://schemas.openxmlformats.org/presentationml/2006/main">
+  <p:cSld>
+    <p:spTree>
+      <p:nvGrpSpPr>
+        <p:cNvPr id="1" name=""/>
+        <p:cNvGrpSpPr/>
+        <p:nvPr/>
+      </p:nvGrpSpPr>
+      <p:grpSpPr>
+        <a:xfrm>
+          <a:off x="0" y="0"/>
+          <a:ext cx="0" cy="0"/>
+          <a:chOff x="0" y="0"/>
+          <a:chExt cx="0" cy="0"/>
+        </a:xfrm>
+      </p:grpSpPr>
+      <p:sp>
+        <p:nvSpPr>
+          <p:cNvPr id="2" name="Titel 1"/>
+          <p:cNvSpPr>
+            <a:spLocks noGrp="1"/>
+          </p:cNvSpPr>
+          <p:nvPr>
+            <p:ph type="title"/>
+          </p:nvPr>
+        </p:nvSpPr>
+        <p:spPr/>
+        <p:txBody>
+          <a:bodyPr/>
+          <a:lstStyle/>
+          <a:p>
+            <a:r>
+              <a:rPr lang="de-AT" dirty="0" smtClean="0"/>
+              <a:t>Grundlagen &amp; Definitionen</a:t>
+            </a:r>
+            <a:endParaRPr lang="de-AT" dirty="0"/>
+          </a:p>
+        </p:txBody>
+      </p:sp>
+      <p:sp>
+        <p:nvSpPr>
+          <p:cNvPr id="3" name="Inhaltsplatzhalter 2"/>
+          <p:cNvSpPr>
+            <a:spLocks noGrp="1"/>
+          </p:cNvSpPr>
+          <p:nvPr>
+            <p:ph idx="1"/>
+          </p:nvPr>
+        </p:nvSpPr>
+        <p:spPr/>
+        <p:txBody>
+          <a:bodyPr/>
+          <a:lstStyle/>
+          <a:p>
+            <a:r>
+              <a:rPr lang="de-AT" dirty="0" smtClean="0"/>
+              <a:t>Katastrophenwiederherstellung</a:t>
+            </a:r>
+          </a:p>
+          <a:p>
+            <a:r>
+              <a:rPr lang="de-AT" dirty="0"/>
+              <a:t>Vorbereitung und Reaktion auf sogenannte </a:t>
+            </a:r>
+            <a:r>
+              <a:rPr lang="de-AT" dirty="0" smtClean="0"/>
+              <a:t>Katastrophen, die IT-System betreffen</a:t>
+            </a:r>
+          </a:p>
+          <a:p>
+            <a:endParaRPr lang="de-AT" dirty="0"/>
+          </a:p>
+          <a:p>
+            <a:r>
+              <a:rPr lang="de-AT" dirty="0"/>
+              <a:t>Cyberattacken, Infrastrukturausfälle ebenso wie </a:t>
+            </a:r>
+            <a:r>
+              <a:rPr lang="de-AT" dirty="0" smtClean="0"/>
+              <a:t>Naturkatastrophen</a:t>
+            </a:r>
+          </a:p>
+          <a:p>
+            <a:r>
+              <a:rPr lang="de-AT" dirty="0"/>
+              <a:t>Schritte zur Wiederherstellung von Servern </a:t>
+            </a:r>
+            <a:endParaRPr lang="de-AT" dirty="0" smtClean="0"/>
+          </a:p>
+          <a:p>
+            <a:endParaRPr lang="de-AT" dirty="0"/>
+          </a:p>
+          <a:p>
+            <a:r>
+              <a:rPr lang="de-AT" dirty="0" smtClean="0"/>
+              <a:t>Wieso das alles?</a:t>
+            </a:r>
+            <a:endParaRPr lang="de-AT" dirty="0"/>
+          </a:p>
+        </p:txBody>
+      </p:sp>
+      <p:sp>
+        <p:nvSpPr>
+          <p:cNvPr id="4" name="Datumsplatzhalter 3"/>
+          <p:cNvSpPr>
+            <a:spLocks noGrp="1"/>
+          </p:cNvSpPr>
+          <p:nvPr>
+            <p:ph type="dt" sz="half" idx="10"/>
+          </p:nvPr>
+        </p:nvSpPr>
+        <p:spPr/>
+        <p:txBody>
+          <a:bodyPr/>
+          <a:lstStyle/>
+          <a:p>
+            <a:r>
+              <a:rPr lang="de-DE" smtClean="0"/>
+              <a:t>02.03.2016</a:t>
+            </a:r>
+            <a:endParaRPr lang="de-DE" dirty="0"/>
+          </a:p>
+        </p:txBody>
+      </p:sp>
+      <p:sp>
+        <p:nvSpPr>
+          <p:cNvPr id="5" name="Fußzeilenplatzhalter 4"/>
+          <p:cNvSpPr>
+            <a:spLocks noGrp="1"/>
+          </p:cNvSpPr>
+          <p:nvPr>
+            <p:ph type="ftr" sz="quarter" idx="11"/>
+          </p:nvPr>
+        </p:nvSpPr>
+        <p:spPr/>
+        <p:txBody>
+          <a:bodyPr/>
+          <a:lstStyle/>
+          <a:p>
+            <a:r>
+              <a:rPr lang="de-DE" smtClean="0"/>
+              <a:t>Disaster Recovery - Michael Weinberger 5BHIT</a:t>
+            </a:r>
+            <a:endParaRPr lang="de-DE" dirty="0"/>
+          </a:p>
+        </p:txBody>
+      </p:sp>
+      <p:sp>
+        <p:nvSpPr>
+          <p:cNvPr id="6" name="Foliennummernplatzhalter 5"/>
+          <p:cNvSpPr>
+            <a:spLocks noGrp="1"/>
+          </p:cNvSpPr>
+          <p:nvPr>
+            <p:ph type="sldNum" sz="quarter" idx="12"/>
+          </p:nvPr>
+        </p:nvSpPr>
+        <p:spPr/>
+        <p:txBody>
+          <a:bodyPr/>
+          <a:lstStyle/>
+          <a:p>
+            <a:fld id="{E31375A4-56A4-47D6-9801-1991572033F7}" type="slidenum">
+              <a:rPr lang="de-DE" smtClean="0"/>
+              <a:t>3</a:t>
+            </a:fld>
+            <a:endParaRPr lang="de-DE" dirty="0"/>
+          </a:p>
+        </p:txBody>
+      </p:sp>
+    </p:spTree>
+    <p:extLst>
+      <p:ext uri="{BB962C8B-B14F-4D97-AF65-F5344CB8AC3E}">
+        <p14:creationId xmlns:p14="http://schemas.microsoft.com/office/powerpoint/2010/main" val="2337876855"/>
+      </p:ext>
+    </p:extLst>
+  </p:cSld>
+  <p:clrMapOvr>
+    <a:masterClrMapping/>
+  </p:clrMapOvr>
+  <mc:AlternateContent xmlns:mc="http://schemas.openxmlformats.org/markup-compatibility/2006" xmlns:p14="http://schemas.microsoft.com/office/powerpoint/2010/main">
+    <mc:Choice Requires="p14">
+      <p:transition spd="med" p14:dur="700">
+        <p:fade/>
+      </p:transition>
+    </mc:Choice>
+    <mc:Fallback xmlns="">
+      <p:transition spd="med">
+        <p:fade/>
+      </p:transition>
+    </mc:Fallback>
+  </mc:AlternateContent>
+  <p:timing>
+    <p:tnLst>
+      <p:par>
+        <p:cTn id="1" dur="indefinite" restart="never" nodeType="tmRoot"/>
+      </p:par>
+    </p:tnLst>
+  </p:timing>
+</p:sld>
+</file>
+
+<file path=ppt/slides/slide4.xml><?xml version="1.0" encoding="utf-8"?>
+<p:sld xmlns:a="http://schemas.openxmlformats.org/drawingml/2006/main" xmlns:r="http://schemas.openxmlformats.org/officeDocument/2006/relationships" xmlns:p="http://schemas.openxmlformats.org/presentationml/2006/main">
+  <p:cSld>
+    <p:spTree>
+      <p:nvGrpSpPr>
+        <p:cNvPr id="1" name=""/>
+        <p:cNvGrpSpPr/>
+        <p:nvPr/>
+      </p:nvGrpSpPr>
+      <p:grpSpPr>
+        <a:xfrm>
+          <a:off x="0" y="0"/>
+          <a:ext cx="0" cy="0"/>
+          <a:chOff x="0" y="0"/>
+          <a:chExt cx="0" cy="0"/>
+        </a:xfrm>
+      </p:grpSpPr>
+      <p:sp>
+        <p:nvSpPr>
+          <p:cNvPr id="2" name="Titel 1"/>
+          <p:cNvSpPr>
+            <a:spLocks noGrp="1"/>
+          </p:cNvSpPr>
+          <p:nvPr>
+            <p:ph type="title"/>
+          </p:nvPr>
+        </p:nvSpPr>
+        <p:spPr/>
+        <p:txBody>
+          <a:bodyPr/>
+          <a:lstStyle/>
+          <a:p>
+            <a:r>
+              <a:rPr lang="de-AT" dirty="0"/>
+              <a:t>Disaster Recovery Plan</a:t>
+            </a:r>
+          </a:p>
+        </p:txBody>
+      </p:sp>
+      <p:sp>
+        <p:nvSpPr>
+          <p:cNvPr id="3" name="Inhaltsplatzhalter 2"/>
+          <p:cNvSpPr>
+            <a:spLocks noGrp="1"/>
+          </p:cNvSpPr>
+          <p:nvPr>
+            <p:ph idx="1"/>
+          </p:nvPr>
+        </p:nvSpPr>
+        <p:spPr/>
+        <p:txBody>
+          <a:bodyPr/>
+          <a:lstStyle/>
+          <a:p>
+            <a:r>
+              <a:rPr lang="de-AT" dirty="0"/>
+              <a:t>Richtlinien, Verfahren und </a:t>
+            </a:r>
+            <a:r>
+              <a:rPr lang="de-AT" dirty="0" smtClean="0"/>
+              <a:t>Maßnahmen, um Störungen zu begrenzen</a:t>
+            </a:r>
+          </a:p>
+          <a:p>
+            <a:r>
+              <a:rPr lang="de-AT" dirty="0" smtClean="0"/>
+              <a:t>Innerhalb eines Zeitrahmens zurück auf Normalzustand</a:t>
+            </a:r>
+          </a:p>
+          <a:p>
+            <a:endParaRPr lang="de-AT" dirty="0"/>
+          </a:p>
+          <a:p>
+            <a:r>
+              <a:rPr lang="de-AT" dirty="0" smtClean="0"/>
+              <a:t>Macht Geschäftsbetrieb unmöglich!</a:t>
+            </a:r>
+          </a:p>
+          <a:p>
+            <a:r>
+              <a:rPr lang="de-AT" dirty="0" smtClean="0"/>
+              <a:t>Kosten, Imageverlust?</a:t>
+            </a:r>
+          </a:p>
+          <a:p>
+            <a:endParaRPr lang="de-AT" dirty="0"/>
+          </a:p>
+          <a:p>
+            <a:r>
+              <a:rPr lang="de-AT" dirty="0"/>
+              <a:t>Norm: ISO27001</a:t>
+            </a:r>
+          </a:p>
+        </p:txBody>
+      </p:sp>
+      <p:sp>
+        <p:nvSpPr>
+          <p:cNvPr id="4" name="Datumsplatzhalter 3"/>
+          <p:cNvSpPr>
+            <a:spLocks noGrp="1"/>
+          </p:cNvSpPr>
+          <p:nvPr>
+            <p:ph type="dt" sz="half" idx="10"/>
+          </p:nvPr>
+        </p:nvSpPr>
+        <p:spPr/>
+        <p:txBody>
+          <a:bodyPr/>
+          <a:lstStyle/>
+          <a:p>
+            <a:r>
+              <a:rPr lang="de-DE" smtClean="0"/>
+              <a:t>02.03.2016</a:t>
+            </a:r>
+            <a:endParaRPr lang="de-DE" dirty="0"/>
+          </a:p>
+        </p:txBody>
+      </p:sp>
+      <p:sp>
+        <p:nvSpPr>
+          <p:cNvPr id="5" name="Fußzeilenplatzhalter 4"/>
+          <p:cNvSpPr>
+            <a:spLocks noGrp="1"/>
+          </p:cNvSpPr>
+          <p:nvPr>
+            <p:ph type="ftr" sz="quarter" idx="11"/>
+          </p:nvPr>
+        </p:nvSpPr>
+        <p:spPr/>
+        <p:txBody>
+          <a:bodyPr/>
+          <a:lstStyle/>
+          <a:p>
+            <a:r>
+              <a:rPr lang="de-DE" smtClean="0"/>
+              <a:t>Disaster Recovery - Michael Weinberger 5BHIT</a:t>
+            </a:r>
+            <a:endParaRPr lang="de-DE" dirty="0"/>
+          </a:p>
+        </p:txBody>
+      </p:sp>
+      <p:sp>
+        <p:nvSpPr>
+          <p:cNvPr id="6" name="Foliennummernplatzhalter 5"/>
+          <p:cNvSpPr>
+            <a:spLocks noGrp="1"/>
+          </p:cNvSpPr>
+          <p:nvPr>
+            <p:ph type="sldNum" sz="quarter" idx="12"/>
+          </p:nvPr>
+        </p:nvSpPr>
+        <p:spPr/>
+        <p:txBody>
+          <a:bodyPr/>
+          <a:lstStyle/>
+          <a:p>
+            <a:fld id="{E31375A4-56A4-47D6-9801-1991572033F7}" type="slidenum">
+              <a:rPr lang="de-DE" smtClean="0"/>
+              <a:t>4</a:t>
+            </a:fld>
+            <a:endParaRPr lang="de-DE" dirty="0"/>
+          </a:p>
+        </p:txBody>
+      </p:sp>
+    </p:spTree>
+    <p:extLst>
+      <p:ext uri="{BB962C8B-B14F-4D97-AF65-F5344CB8AC3E}">
+        <p14:creationId xmlns:p14="http://schemas.microsoft.com/office/powerpoint/2010/main" val="1586771917"/>
+      </p:ext>
+    </p:extLst>
+  </p:cSld>
+  <p:clrMapOvr>
+    <a:masterClrMapping/>
+  </p:clrMapOvr>
+  <mc:AlternateContent xmlns:mc="http://schemas.openxmlformats.org/markup-compatibility/2006" xmlns:p14="http://schemas.microsoft.com/office/powerpoint/2010/main">
+    <mc:Choice Requires="p14">
+      <p:transition spd="med" p14:dur="700">
+        <p:fade/>
+      </p:transition>
+    </mc:Choice>
+    <mc:Fallback xmlns="">
+      <p:transition spd="med">
+        <p:fade/>
+      </p:transition>
+    </mc:Fallback>
+  </mc:AlternateContent>
+  <p:timing>
+    <p:tnLst>
+      <p:par>
+        <p:cTn id="1" dur="indefinite" restart="never" nodeType="tmRoot"/>
+      </p:par>
+    </p:tnLst>
+  </p:timing>
+</p:sld>
+</file>
+
+<file path=ppt/slides/slide5.xml><?xml version="1.0" encoding="utf-8"?>
+<p:sld xmlns:a="http://schemas.openxmlformats.org/drawingml/2006/main" xmlns:r="http://schemas.openxmlformats.org/officeDocument/2006/relationships" xmlns:p="http://schemas.openxmlformats.org/presentationml/2006/main">
+  <p:cSld>
+    <p:spTree>
+      <p:nvGrpSpPr>
+        <p:cNvPr id="1" name=""/>
+        <p:cNvGrpSpPr/>
+        <p:nvPr/>
+      </p:nvGrpSpPr>
+      <p:grpSpPr>
+        <a:xfrm>
+          <a:off x="0" y="0"/>
+          <a:ext cx="0" cy="0"/>
+          <a:chOff x="0" y="0"/>
+          <a:chExt cx="0" cy="0"/>
+        </a:xfrm>
+      </p:grpSpPr>
+      <p:sp>
+        <p:nvSpPr>
+          <p:cNvPr id="2" name="Titel 1"/>
+          <p:cNvSpPr>
+            <a:spLocks noGrp="1"/>
+          </p:cNvSpPr>
+          <p:nvPr>
+            <p:ph type="title"/>
+          </p:nvPr>
+        </p:nvSpPr>
+        <p:spPr/>
+        <p:txBody>
+          <a:bodyPr/>
+          <a:lstStyle/>
+          <a:p>
+            <a:r>
+              <a:rPr lang="de-AT" dirty="0" smtClean="0"/>
+              <a:t>Business Continuity</a:t>
+            </a:r>
+            <a:endParaRPr lang="de-AT" dirty="0"/>
+          </a:p>
+        </p:txBody>
+      </p:sp>
+      <p:sp>
+        <p:nvSpPr>
+          <p:cNvPr id="3" name="Inhaltsplatzhalter 2"/>
+          <p:cNvSpPr>
+            <a:spLocks noGrp="1"/>
+          </p:cNvSpPr>
+          <p:nvPr>
+            <p:ph idx="1"/>
+          </p:nvPr>
+        </p:nvSpPr>
+        <p:spPr/>
+        <p:txBody>
+          <a:bodyPr/>
+          <a:lstStyle/>
+          <a:p>
+            <a:r>
+              <a:rPr lang="de-AT" dirty="0"/>
+              <a:t>Weiterführung von wichtigen </a:t>
+            </a:r>
+            <a:r>
+              <a:rPr lang="de-AT" dirty="0" smtClean="0"/>
+              <a:t>Geschäftsprozessen</a:t>
+            </a:r>
+            <a:endParaRPr lang="de-AT" dirty="0"/>
+          </a:p>
+          <a:p>
+            <a:r>
+              <a:rPr lang="de-AT" dirty="0"/>
+              <a:t>Aufrechterhaltung der Geschäftstätigkeit </a:t>
+            </a:r>
+            <a:endParaRPr lang="de-AT" dirty="0" smtClean="0"/>
+          </a:p>
+          <a:p>
+            <a:endParaRPr lang="de-AT" dirty="0"/>
+          </a:p>
+          <a:p>
+            <a:r>
+              <a:rPr lang="de-AT" dirty="0" smtClean="0"/>
+              <a:t>Business Continuity und Disaster Recovery eng verbunden, manchmal kombiniert</a:t>
+            </a:r>
+            <a:endParaRPr lang="de-AT" dirty="0"/>
+          </a:p>
+          <a:p>
+            <a:endParaRPr lang="de-AT" dirty="0" smtClean="0"/>
+          </a:p>
+          <a:p>
+            <a:r>
+              <a:rPr lang="de-AT" dirty="0"/>
+              <a:t>Norm: BS25999</a:t>
+            </a:r>
+          </a:p>
+        </p:txBody>
+      </p:sp>
+      <p:sp>
+        <p:nvSpPr>
+          <p:cNvPr id="4" name="Datumsplatzhalter 3"/>
+          <p:cNvSpPr>
+            <a:spLocks noGrp="1"/>
+          </p:cNvSpPr>
+          <p:nvPr>
+            <p:ph type="dt" sz="half" idx="10"/>
+          </p:nvPr>
+        </p:nvSpPr>
+        <p:spPr/>
+        <p:txBody>
+          <a:bodyPr/>
+          <a:lstStyle/>
+          <a:p>
+            <a:r>
+              <a:rPr lang="de-DE" smtClean="0"/>
+              <a:t>02.03.2016</a:t>
+            </a:r>
+            <a:endParaRPr lang="de-DE" dirty="0"/>
+          </a:p>
+        </p:txBody>
+      </p:sp>
+      <p:sp>
+        <p:nvSpPr>
+          <p:cNvPr id="5" name="Fußzeilenplatzhalter 4"/>
+          <p:cNvSpPr>
+            <a:spLocks noGrp="1"/>
+          </p:cNvSpPr>
+          <p:nvPr>
+            <p:ph type="ftr" sz="quarter" idx="11"/>
+          </p:nvPr>
+        </p:nvSpPr>
+        <p:spPr/>
+        <p:txBody>
+          <a:bodyPr/>
+          <a:lstStyle/>
+          <a:p>
+            <a:r>
+              <a:rPr lang="de-DE" smtClean="0"/>
+              <a:t>Disaster Recovery - Michael Weinberger 5BHIT</a:t>
+            </a:r>
+            <a:endParaRPr lang="de-DE" dirty="0"/>
+          </a:p>
+        </p:txBody>
+      </p:sp>
+      <p:sp>
+        <p:nvSpPr>
+          <p:cNvPr id="6" name="Foliennummernplatzhalter 5"/>
+          <p:cNvSpPr>
+            <a:spLocks noGrp="1"/>
+          </p:cNvSpPr>
+          <p:nvPr>
+            <p:ph type="sldNum" sz="quarter" idx="12"/>
+          </p:nvPr>
+        </p:nvSpPr>
+        <p:spPr/>
+        <p:txBody>
+          <a:bodyPr/>
+          <a:lstStyle/>
+          <a:p>
+            <a:fld id="{E31375A4-56A4-47D6-9801-1991572033F7}" type="slidenum">
+              <a:rPr lang="de-DE" smtClean="0"/>
+              <a:t>5</a:t>
+            </a:fld>
+            <a:endParaRPr lang="de-DE" dirty="0"/>
+          </a:p>
+        </p:txBody>
+      </p:sp>
+    </p:spTree>
+    <p:extLst>
+      <p:ext uri="{BB962C8B-B14F-4D97-AF65-F5344CB8AC3E}">
+        <p14:creationId xmlns:p14="http://schemas.microsoft.com/office/powerpoint/2010/main" val="484846245"/>
+      </p:ext>
+    </p:extLst>
+  </p:cSld>
+  <p:clrMapOvr>
+    <a:masterClrMapping/>
+  </p:clrMapOvr>
+  <mc:AlternateContent xmlns:mc="http://schemas.openxmlformats.org/markup-compatibility/2006" xmlns:p14="http://schemas.microsoft.com/office/powerpoint/2010/main">
+    <mc:Choice Requires="p14">
+      <p:transition spd="med" p14:dur="700">
+        <p:fade/>
+      </p:transition>
+    </mc:Choice>
+    <mc:Fallback xmlns="">
+      <p:transition spd="med">
+        <p:fade/>
+      </p:transition>
+    </mc:Fallback>
+  </mc:AlternateContent>
+  <p:timing>
+    <p:tnLst>
+      <p:par>
+        <p:cTn id="1" dur="indefinite" restart="never" nodeType="tmRoot"/>
+      </p:par>
+    </p:tnLst>
+  </p:timing>
+</p:sld>
+</file>
+
+<file path=ppt/slides/slide6.xml><?xml version="1.0" encoding="utf-8"?>
+<p:sld xmlns:a="http://schemas.openxmlformats.org/drawingml/2006/main" xmlns:r="http://schemas.openxmlformats.org/officeDocument/2006/relationships" xmlns:p="http://schemas.openxmlformats.org/presentationml/2006/main">
+  <p:cSld>
+    <p:spTree>
+      <p:nvGrpSpPr>
+        <p:cNvPr id="1" name=""/>
+        <p:cNvGrpSpPr/>
+        <p:nvPr/>
+      </p:nvGrpSpPr>
+      <p:grpSpPr>
+        <a:xfrm>
+          <a:off x="0" y="0"/>
+          <a:ext cx="0" cy="0"/>
+          <a:chOff x="0" y="0"/>
+          <a:chExt cx="0" cy="0"/>
+        </a:xfrm>
+      </p:grpSpPr>
+      <p:sp>
+        <p:nvSpPr>
+          <p:cNvPr id="2" name="Titel 1"/>
+          <p:cNvSpPr>
+            <a:spLocks noGrp="1"/>
+          </p:cNvSpPr>
+          <p:nvPr>
+            <p:ph type="title"/>
+          </p:nvPr>
+        </p:nvSpPr>
+        <p:spPr/>
+        <p:txBody>
+          <a:bodyPr/>
+          <a:lstStyle/>
+          <a:p>
+            <a:r>
+              <a:rPr lang="de-AT" dirty="0"/>
+              <a:t>Was ist eigentlich eine Katastrophe?</a:t>
+            </a:r>
+          </a:p>
+        </p:txBody>
+      </p:sp>
+      <p:sp>
+        <p:nvSpPr>
+          <p:cNvPr id="3" name="Inhaltsplatzhalter 2"/>
+          <p:cNvSpPr>
+            <a:spLocks noGrp="1"/>
+          </p:cNvSpPr>
+          <p:nvPr>
+            <p:ph idx="1"/>
+          </p:nvPr>
+        </p:nvSpPr>
+        <p:spPr/>
+        <p:txBody>
+          <a:bodyPr/>
+          <a:lstStyle/>
+          <a:p>
+            <a:r>
+              <a:rPr lang="de-AT" dirty="0" smtClean="0"/>
+              <a:t>Vierlei Ausmaß, primäre und sekundäre Auswirkungen</a:t>
+            </a:r>
+          </a:p>
+          <a:p>
+            <a:r>
+              <a:rPr lang="de-AT" dirty="0" smtClean="0"/>
+              <a:t>Im schlimmsten Fall ohne Vorwarnung</a:t>
+            </a:r>
+          </a:p>
+          <a:p>
+            <a:endParaRPr lang="de-AT" dirty="0"/>
+          </a:p>
+          <a:p>
+            <a:r>
+              <a:rPr lang="de-AT" dirty="0" smtClean="0"/>
+              <a:t>Wasserrohrbruch, Feuer, Viren, Datendiebstahl, Stromausfall, …</a:t>
+            </a:r>
+          </a:p>
+          <a:p>
+            <a:endParaRPr lang="de-AT" dirty="0"/>
+          </a:p>
+          <a:p>
+            <a:r>
+              <a:rPr lang="de-AT" dirty="0" smtClean="0"/>
+              <a:t>Kleinere Desaster häufiger, möglichst alle Faktoren berücksichtigen!</a:t>
+            </a:r>
+          </a:p>
+        </p:txBody>
+      </p:sp>
+      <p:sp>
+        <p:nvSpPr>
+          <p:cNvPr id="4" name="Datumsplatzhalter 3"/>
+          <p:cNvSpPr>
+            <a:spLocks noGrp="1"/>
+          </p:cNvSpPr>
+          <p:nvPr>
+            <p:ph type="dt" sz="half" idx="10"/>
+          </p:nvPr>
+        </p:nvSpPr>
+        <p:spPr/>
+        <p:txBody>
+          <a:bodyPr/>
+          <a:lstStyle/>
+          <a:p>
+            <a:r>
+              <a:rPr lang="de-DE" smtClean="0"/>
+              <a:t>02.03.2016</a:t>
+            </a:r>
+            <a:endParaRPr lang="de-DE" dirty="0"/>
+          </a:p>
+        </p:txBody>
+      </p:sp>
+      <p:sp>
+        <p:nvSpPr>
+          <p:cNvPr id="5" name="Fußzeilenplatzhalter 4"/>
+          <p:cNvSpPr>
+            <a:spLocks noGrp="1"/>
+          </p:cNvSpPr>
+          <p:nvPr>
+            <p:ph type="ftr" sz="quarter" idx="11"/>
+          </p:nvPr>
+        </p:nvSpPr>
+        <p:spPr/>
+        <p:txBody>
+          <a:bodyPr/>
+          <a:lstStyle/>
+          <a:p>
+            <a:r>
+              <a:rPr lang="de-DE" smtClean="0"/>
+              <a:t>Disaster Recovery - Michael Weinberger 5BHIT</a:t>
+            </a:r>
+            <a:endParaRPr lang="de-DE" dirty="0"/>
+          </a:p>
+        </p:txBody>
+      </p:sp>
+      <p:sp>
+        <p:nvSpPr>
+          <p:cNvPr id="6" name="Foliennummernplatzhalter 5"/>
+          <p:cNvSpPr>
+            <a:spLocks noGrp="1"/>
+          </p:cNvSpPr>
+          <p:nvPr>
+            <p:ph type="sldNum" sz="quarter" idx="12"/>
+          </p:nvPr>
+        </p:nvSpPr>
+        <p:spPr/>
+        <p:txBody>
+          <a:bodyPr/>
+          <a:lstStyle/>
+          <a:p>
+            <a:fld id="{E31375A4-56A4-47D6-9801-1991572033F7}" type="slidenum">
+              <a:rPr lang="de-DE" smtClean="0"/>
+              <a:t>6</a:t>
+            </a:fld>
+            <a:endParaRPr lang="de-DE" dirty="0"/>
+          </a:p>
+        </p:txBody>
+      </p:sp>
+    </p:spTree>
+    <p:extLst>
+      <p:ext uri="{BB962C8B-B14F-4D97-AF65-F5344CB8AC3E}">
+        <p14:creationId xmlns:p14="http://schemas.microsoft.com/office/powerpoint/2010/main" val="979159619"/>
+      </p:ext>
+    </p:extLst>
+  </p:cSld>
+  <p:clrMapOvr>
+    <a:masterClrMapping/>
+  </p:clrMapOvr>
+  <mc:AlternateContent xmlns:mc="http://schemas.openxmlformats.org/markup-compatibility/2006" xmlns:p14="http://schemas.microsoft.com/office/powerpoint/2010/main">
+    <mc:Choice Requires="p14">
+      <p:transition spd="med" p14:dur="700">
+        <p:fade/>
+      </p:transition>
+    </mc:Choice>
+    <mc:Fallback xmlns="">
+      <p:transition spd="med">
+        <p:fade/>
+      </p:transition>
+    </mc:Fallback>
+  </mc:AlternateContent>
+  <p:timing>
+    <p:tnLst>
+      <p:par>
+        <p:cTn id="1" dur="indefinite" restart="never" nodeType="tmRoot"/>
+      </p:par>
+    </p:tnLst>
+  </p:timing>
+</p:sld>
+</file>
+
+<file path=ppt/slides/slide7.xml><?xml version="1.0" encoding="utf-8"?>
+<p:sld xmlns:a="http://schemas.openxmlformats.org/drawingml/2006/main" xmlns:r="http://schemas.openxmlformats.org/officeDocument/2006/relationships" xmlns:p="http://schemas.openxmlformats.org/presentationml/2006/main">
+  <p:cSld>
+    <p:bg>
+      <p:bgPr>
+        <a:blipFill dpi="0" rotWithShape="1">
+          <a:blip r:embed="rId4">
+            <a:lum/>
+          </a:blip>
+          <a:srcRect/>
+          <a:stretch>
+            <a:fillRect/>
+          </a:stretch>
+        </a:blipFill>
+        <a:effectLst/>
+      </p:bgPr>
+    </p:bg>
+    <p:spTree>
+      <p:nvGrpSpPr>
+        <p:cNvPr id="1" name=""/>
+        <p:cNvGrpSpPr/>
+        <p:nvPr/>
+      </p:nvGrpSpPr>
+      <p:grpSpPr>
+        <a:xfrm>
+          <a:off x="0" y="0"/>
+          <a:ext cx="0" cy="0"/>
+          <a:chOff x="0" y="0"/>
+          <a:chExt cx="0" cy="0"/>
+        </a:xfrm>
+      </p:grpSpPr>
+      <p:sp>
+        <p:nvSpPr>
+          <p:cNvPr id="2" name="Titel 1"/>
+          <p:cNvSpPr>
+            <a:spLocks noGrp="1"/>
+          </p:cNvSpPr>
+          <p:nvPr>
+            <p:ph type="title"/>
+          </p:nvPr>
+        </p:nvSpPr>
+        <p:spPr/>
+        <p:txBody>
+          <a:bodyPr/>
+          <a:lstStyle/>
+          <a:p>
+            <a:r>
+              <a:rPr lang="de-AT" dirty="0" smtClean="0"/>
+              <a:t>Überblick</a:t>
+            </a:r>
+            <a:endParaRPr lang="de-AT" dirty="0"/>
+          </a:p>
+        </p:txBody>
+      </p:sp>
+      <p:sp>
+        <p:nvSpPr>
+          <p:cNvPr id="3" name="Inhaltsplatzhalter 2"/>
+          <p:cNvSpPr>
+            <a:spLocks noGrp="1"/>
+          </p:cNvSpPr>
+          <p:nvPr>
+            <p:ph idx="1"/>
+          </p:nvPr>
+        </p:nvSpPr>
+        <p:spPr/>
+        <p:txBody>
+          <a:bodyPr/>
+          <a:lstStyle/>
+          <a:p>
+            <a:endParaRPr lang="de-AT"/>
+          </a:p>
+        </p:txBody>
+      </p:sp>
+      <p:sp>
+        <p:nvSpPr>
+          <p:cNvPr id="4" name="Datumsplatzhalter 3"/>
+          <p:cNvSpPr>
+            <a:spLocks noGrp="1"/>
+          </p:cNvSpPr>
+          <p:nvPr>
+            <p:ph type="dt" sz="half" idx="10"/>
+          </p:nvPr>
+        </p:nvSpPr>
+        <p:spPr/>
+        <p:txBody>
+          <a:bodyPr/>
+          <a:lstStyle/>
+          <a:p>
+            <a:r>
+              <a:rPr lang="de-DE" dirty="0" smtClean="0"/>
+              <a:t>02.03.2016</a:t>
+            </a:r>
+            <a:endParaRPr lang="de-DE" dirty="0"/>
+          </a:p>
+        </p:txBody>
+      </p:sp>
+      <p:sp>
+        <p:nvSpPr>
+          <p:cNvPr id="6" name="Fußzeilenplatzhalter 5"/>
+          <p:cNvSpPr>
+            <a:spLocks noGrp="1"/>
+          </p:cNvSpPr>
+          <p:nvPr>
+            <p:ph type="ftr" sz="quarter" idx="11"/>
+          </p:nvPr>
+        </p:nvSpPr>
+        <p:spPr/>
+        <p:txBody>
+          <a:bodyPr vert="horz" lIns="91440" tIns="45720" rIns="91440" bIns="45720" rtlCol="0" anchor="ctr"/>
+          <a:lstStyle/>
+          <a:p>
+            <a:r>
+              <a:rPr lang="de-DE" dirty="0"/>
+              <a:t>Disaster Recovery - Michael Weinberger 5BHIT</a:t>
+            </a:r>
+            <a:endParaRPr lang="de-DE" dirty="0"/>
+          </a:p>
+        </p:txBody>
+      </p:sp>
+      <p:sp>
+        <p:nvSpPr>
+          <p:cNvPr id="5" name="Foliennummernplatzhalter 4"/>
+          <p:cNvSpPr>
+            <a:spLocks noGrp="1"/>
+          </p:cNvSpPr>
+          <p:nvPr>
+            <p:ph type="sldNum" sz="quarter" idx="12"/>
+          </p:nvPr>
+        </p:nvSpPr>
+        <p:spPr/>
+        <p:txBody>
+          <a:bodyPr/>
+          <a:lstStyle/>
+          <a:p>
+            <a:fld id="{E31375A4-56A4-47D6-9801-1991572033F7}" type="slidenum">
+              <a:rPr lang="de-DE" smtClean="0"/>
+              <a:t>7</a:t>
+            </a:fld>
+            <a:endParaRPr lang="de-DE" dirty="0"/>
+          </a:p>
+        </p:txBody>
+      </p:sp>
+      <p:pic>
+        <p:nvPicPr>
+          <p:cNvPr id="7" name="Grafik 6"/>
+          <p:cNvPicPr>
+            <a:picLocks noChangeAspect="1"/>
+          </p:cNvPicPr>
+          <p:nvPr/>
+        </p:nvPicPr>
+        <p:blipFill>
+          <a:blip r:embed="rId5"/>
+          <a:stretch>
+            <a:fillRect/>
+          </a:stretch>
+        </p:blipFill>
+        <p:spPr>
+          <a:xfrm>
+            <a:off x="1328737" y="289639"/>
+            <a:ext cx="9534525" cy="6038850"/>
+          </a:xfrm>
+          <a:prstGeom prst="rect">
+            <a:avLst/>
+          </a:prstGeom>
+        </p:spPr>
+      </p:pic>
+    </p:spTree>
+    <p:extLst>
+      <p:ext uri="{BB962C8B-B14F-4D97-AF65-F5344CB8AC3E}">
+        <p14:creationId xmlns:p14="http://schemas.microsoft.com/office/powerpoint/2010/main" val="1696496146"/>
+      </p:ext>
+    </p:extLst>
+  </p:cSld>
+  <p:clrMapOvr>
+    <a:overrideClrMapping bg1="dk1" tx1="lt1" bg2="dk2" tx2="lt2" accent1="accent1" accent2="accent2" accent3="accent3" accent4="accent4" accent5="accent5" accent6="accent6" hlink="hlink" folHlink="folHlink"/>
+  </p:clrMapOvr>
+  <mc:AlternateContent xmlns:mc="http://schemas.openxmlformats.org/markup-compatibility/2006" xmlns:p14="http://schemas.microsoft.com/office/powerpoint/2010/main">
+    <mc:Choice Requires="p14">
+      <p:transition spd="med" p14:dur="700">
+        <p:fade/>
+      </p:transition>
+    </mc:Choice>
+    <mc:Fallback xmlns="">
+      <p:transition spd="med">
+        <p:fade/>
+      </p:transition>
+    </mc:Fallback>
+  </mc:AlternateContent>
+  <p:timing>
+    <p:tnLst>
+      <p:par>
+        <p:cTn id="1" dur="indefinite" restart="never" nodeType="tmRoot"/>
+      </p:par>
+    </p:tnLst>
+  </p:timing>
+</p:sld>
+</file>
+
+<file path=ppt/slides/slide8.xml><?xml version="1.0" encoding="utf-8"?>
+<p:sld xmlns:a="http://schemas.openxmlformats.org/drawingml/2006/main" xmlns:r="http://schemas.openxmlformats.org/officeDocument/2006/relationships" xmlns:p="http://schemas.openxmlformats.org/presentationml/2006/main">
+  <p:cSld>
+    <p:spTree>
+      <p:nvGrpSpPr>
+        <p:cNvPr id="1" name=""/>
+        <p:cNvGrpSpPr/>
+        <p:nvPr/>
+      </p:nvGrpSpPr>
+      <p:grpSpPr>
+        <a:xfrm>
+          <a:off x="0" y="0"/>
+          <a:ext cx="0" cy="0"/>
+          <a:chOff x="0" y="0"/>
+          <a:chExt cx="0" cy="0"/>
+        </a:xfrm>
+      </p:grpSpPr>
+      <p:sp>
+        <p:nvSpPr>
+          <p:cNvPr id="2" name="Titel 1"/>
+          <p:cNvSpPr>
+            <a:spLocks noGrp="1"/>
+          </p:cNvSpPr>
+          <p:nvPr>
+            <p:ph type="title"/>
+          </p:nvPr>
+        </p:nvSpPr>
+        <p:spPr/>
+        <p:txBody>
+          <a:bodyPr/>
+          <a:lstStyle/>
+          <a:p>
+            <a:r>
+              <a:rPr lang="de-AT" dirty="0"/>
+              <a:t>Problem der Downtime, </a:t>
+            </a:r>
+            <a:r>
+              <a:rPr lang="de-AT" dirty="0" smtClean="0"/>
+              <a:t>Kosten</a:t>
+            </a:r>
+            <a:endParaRPr lang="de-AT" dirty="0"/>
+          </a:p>
+        </p:txBody>
+      </p:sp>
+      <p:sp>
+        <p:nvSpPr>
+          <p:cNvPr id="3" name="Inhaltsplatzhalter 2"/>
+          <p:cNvSpPr>
+            <a:spLocks noGrp="1"/>
+          </p:cNvSpPr>
+          <p:nvPr>
+            <p:ph idx="1"/>
+          </p:nvPr>
+        </p:nvSpPr>
+        <p:spPr/>
+        <p:txBody>
+          <a:bodyPr/>
+          <a:lstStyle/>
+          <a:p>
+            <a:r>
+              <a:rPr lang="de-AT" dirty="0" smtClean="0"/>
+              <a:t>Beispiel Facebook</a:t>
+            </a:r>
+            <a:endParaRPr lang="de-AT" dirty="0"/>
+          </a:p>
+          <a:p>
+            <a:r>
+              <a:rPr lang="de-AT" dirty="0" smtClean="0"/>
+              <a:t>Schaden &gt; 500.000 $</a:t>
+            </a:r>
+          </a:p>
+          <a:p>
+            <a:endParaRPr lang="de-AT" dirty="0"/>
+          </a:p>
+          <a:p>
+            <a:r>
+              <a:rPr lang="de-AT" dirty="0"/>
+              <a:t>Nutzer und Werbetreibende bauen auf dessen </a:t>
+            </a:r>
+            <a:r>
+              <a:rPr lang="de-AT" dirty="0" smtClean="0"/>
+              <a:t>Zuverlässigkeit</a:t>
+            </a:r>
+            <a:endParaRPr lang="de-AT" dirty="0"/>
+          </a:p>
+          <a:p>
+            <a:r>
+              <a:rPr lang="de-AT" dirty="0"/>
+              <a:t>20% der Unternehmen </a:t>
+            </a:r>
+            <a:r>
+              <a:rPr lang="de-AT" dirty="0" smtClean="0"/>
+              <a:t>schätzen Ausfall = 1 Stunde Verlust </a:t>
+            </a:r>
+            <a:r>
+              <a:rPr lang="de-AT" dirty="0"/>
+              <a:t>über 100.000 </a:t>
+            </a:r>
+            <a:r>
+              <a:rPr lang="de-AT" dirty="0" smtClean="0"/>
+              <a:t>$</a:t>
+            </a:r>
+          </a:p>
+          <a:p>
+            <a:endParaRPr lang="de-AT" dirty="0"/>
+          </a:p>
+          <a:p>
+            <a:r>
+              <a:rPr lang="de-AT" dirty="0" smtClean="0"/>
+              <a:t>Zeigt, wieso Disaster Recovery/Hochverfügbarkeit wichtig ist!</a:t>
+            </a:r>
+            <a:endParaRPr lang="de-AT" dirty="0"/>
+          </a:p>
+        </p:txBody>
+      </p:sp>
+      <p:sp>
+        <p:nvSpPr>
+          <p:cNvPr id="4" name="Datumsplatzhalter 3"/>
+          <p:cNvSpPr>
+            <a:spLocks noGrp="1"/>
+          </p:cNvSpPr>
+          <p:nvPr>
+            <p:ph type="dt" sz="half" idx="10"/>
+          </p:nvPr>
+        </p:nvSpPr>
+        <p:spPr/>
+        <p:txBody>
+          <a:bodyPr/>
+          <a:lstStyle/>
+          <a:p>
+            <a:r>
+              <a:rPr lang="de-DE" smtClean="0"/>
+              <a:t>02.03.2016</a:t>
+            </a:r>
+            <a:endParaRPr lang="de-DE" dirty="0"/>
+          </a:p>
+        </p:txBody>
+      </p:sp>
+      <p:sp>
+        <p:nvSpPr>
+          <p:cNvPr id="5" name="Fußzeilenplatzhalter 4"/>
+          <p:cNvSpPr>
+            <a:spLocks noGrp="1"/>
+          </p:cNvSpPr>
+          <p:nvPr>
+            <p:ph type="ftr" sz="quarter" idx="11"/>
+          </p:nvPr>
+        </p:nvSpPr>
+        <p:spPr/>
+        <p:txBody>
+          <a:bodyPr/>
+          <a:lstStyle/>
+          <a:p>
+            <a:r>
+              <a:rPr lang="de-DE" smtClean="0"/>
+              <a:t>Disaster Recovery - Michael Weinberger 5BHIT</a:t>
+            </a:r>
+            <a:endParaRPr lang="de-DE" dirty="0"/>
+          </a:p>
+        </p:txBody>
+      </p:sp>
+      <p:sp>
+        <p:nvSpPr>
+          <p:cNvPr id="6" name="Foliennummernplatzhalter 5"/>
+          <p:cNvSpPr>
+            <a:spLocks noGrp="1"/>
+          </p:cNvSpPr>
+          <p:nvPr>
+            <p:ph type="sldNum" sz="quarter" idx="12"/>
+          </p:nvPr>
+        </p:nvSpPr>
+        <p:spPr/>
+        <p:txBody>
+          <a:bodyPr/>
+          <a:lstStyle/>
+          <a:p>
+            <a:fld id="{E31375A4-56A4-47D6-9801-1991572033F7}" type="slidenum">
+              <a:rPr lang="de-DE" smtClean="0"/>
+              <a:t>8</a:t>
+            </a:fld>
+            <a:endParaRPr lang="de-DE" dirty="0"/>
+          </a:p>
+        </p:txBody>
+      </p:sp>
+    </p:spTree>
+    <p:extLst>
+      <p:ext uri="{BB962C8B-B14F-4D97-AF65-F5344CB8AC3E}">
+        <p14:creationId xmlns:p14="http://schemas.microsoft.com/office/powerpoint/2010/main" val="3956329553"/>
+      </p:ext>
+    </p:extLst>
+  </p:cSld>
+  <p:clrMapOvr>
+    <a:masterClrMapping/>
+  </p:clrMapOvr>
+  <mc:AlternateContent xmlns:mc="http://schemas.openxmlformats.org/markup-compatibility/2006" xmlns:p14="http://schemas.microsoft.com/office/powerpoint/2010/main">
+    <mc:Choice Requires="p14">
+      <p:transition spd="med" p14:dur="700">
+        <p:fade/>
+      </p:transition>
+    </mc:Choice>
+    <mc:Fallback xmlns="">
+      <p:transition spd="med">
+        <p:fade/>
+      </p:transition>
+    </mc:Fallback>
+  </mc:AlternateContent>
+  <p:timing>
+    <p:tnLst>
+      <p:par>
+        <p:cTn id="1" dur="indefinite" restart="never" nodeType="tmRoot"/>
+      </p:par>
+    </p:tnLst>
+  </p:timing>
+</p:sld>
+</file>
+
+<file path=ppt/slides/slide9.xml><?xml version="1.0" encoding="utf-8"?>
+<p:sld xmlns:a="http://schemas.openxmlformats.org/drawingml/2006/main" xmlns:r="http://schemas.openxmlformats.org/officeDocument/2006/relationships" xmlns:p="http://schemas.openxmlformats.org/presentationml/2006/main">
+  <p:cSld>
+    <p:spTree>
+      <p:nvGrpSpPr>
+        <p:cNvPr id="1" name=""/>
+        <p:cNvGrpSpPr/>
+        <p:nvPr/>
+      </p:nvGrpSpPr>
+      <p:grpSpPr>
+        <a:xfrm>
+          <a:off x="0" y="0"/>
+          <a:ext cx="0" cy="0"/>
+          <a:chOff x="0" y="0"/>
+          <a:chExt cx="0" cy="0"/>
+        </a:xfrm>
+      </p:grpSpPr>
+      <p:sp>
+        <p:nvSpPr>
+          <p:cNvPr id="2" name="Titel 1"/>
+          <p:cNvSpPr>
+            <a:spLocks noGrp="1"/>
+          </p:cNvSpPr>
+          <p:nvPr>
+            <p:ph type="title"/>
+          </p:nvPr>
+        </p:nvSpPr>
+        <p:spPr/>
+        <p:txBody>
+          <a:bodyPr/>
+          <a:lstStyle/>
+          <a:p>
+            <a:r>
+              <a:rPr lang="de-AT" dirty="0" smtClean="0"/>
+              <a:t>Fehlertoleranz</a:t>
+            </a:r>
+            <a:endParaRPr lang="de-AT" dirty="0"/>
+          </a:p>
+        </p:txBody>
+      </p:sp>
+      <p:sp>
+        <p:nvSpPr>
+          <p:cNvPr id="3" name="Inhaltsplatzhalter 2"/>
+          <p:cNvSpPr>
+            <a:spLocks noGrp="1"/>
+          </p:cNvSpPr>
+          <p:nvPr>
+            <p:ph idx="1"/>
+          </p:nvPr>
+        </p:nvSpPr>
+        <p:spPr/>
+        <p:txBody>
+          <a:bodyPr/>
+          <a:lstStyle/>
+          <a:p>
+            <a:r>
+              <a:rPr lang="de-AT" dirty="0"/>
+              <a:t>Fehler selbstständig und automatisch </a:t>
+            </a:r>
+            <a:r>
+              <a:rPr lang="de-AT" dirty="0" smtClean="0"/>
+              <a:t>ausgleichen</a:t>
+            </a:r>
+          </a:p>
+          <a:p>
+            <a:r>
+              <a:rPr lang="de-AT" dirty="0" smtClean="0"/>
+              <a:t>Reduziert Auswirkungen auf das System, Prozess läuft weiter</a:t>
+            </a:r>
+          </a:p>
+          <a:p>
+            <a:endParaRPr lang="de-AT" dirty="0"/>
+          </a:p>
+          <a:p>
+            <a:r>
+              <a:rPr lang="de-AT" dirty="0" smtClean="0"/>
+              <a:t>Wichtige Systeme höheren Grad, hohe Toleranz = hohe Kosten</a:t>
+            </a:r>
+            <a:endParaRPr lang="de-AT" dirty="0"/>
+          </a:p>
+        </p:txBody>
+      </p:sp>
+      <p:sp>
+        <p:nvSpPr>
+          <p:cNvPr id="4" name="Datumsplatzhalter 3"/>
+          <p:cNvSpPr>
+            <a:spLocks noGrp="1"/>
+          </p:cNvSpPr>
+          <p:nvPr>
+            <p:ph type="dt" sz="half" idx="10"/>
+          </p:nvPr>
+        </p:nvSpPr>
+        <p:spPr/>
+        <p:txBody>
+          <a:bodyPr/>
+          <a:lstStyle/>
+          <a:p>
+            <a:r>
+              <a:rPr lang="de-DE" smtClean="0"/>
+              <a:t>02.03.2016</a:t>
+            </a:r>
+            <a:endParaRPr lang="de-DE" dirty="0"/>
+          </a:p>
+        </p:txBody>
+      </p:sp>
+      <p:sp>
+        <p:nvSpPr>
+          <p:cNvPr id="5" name="Fußzeilenplatzhalter 4"/>
+          <p:cNvSpPr>
+            <a:spLocks noGrp="1"/>
+          </p:cNvSpPr>
+          <p:nvPr>
+            <p:ph type="ftr" sz="quarter" idx="11"/>
+          </p:nvPr>
+        </p:nvSpPr>
+        <p:spPr/>
+        <p:txBody>
+          <a:bodyPr/>
+          <a:lstStyle/>
+          <a:p>
+            <a:r>
+              <a:rPr lang="de-DE" smtClean="0"/>
+              <a:t>Disaster Recovery - Michael Weinberger 5BHIT</a:t>
+            </a:r>
+            <a:endParaRPr lang="de-DE" dirty="0"/>
+          </a:p>
+        </p:txBody>
+      </p:sp>
+      <p:sp>
+        <p:nvSpPr>
+          <p:cNvPr id="6" name="Foliennummernplatzhalter 5"/>
+          <p:cNvSpPr>
+            <a:spLocks noGrp="1"/>
+          </p:cNvSpPr>
+          <p:nvPr>
+            <p:ph type="sldNum" sz="quarter" idx="12"/>
+          </p:nvPr>
+        </p:nvSpPr>
+        <p:spPr/>
+        <p:txBody>
+          <a:bodyPr/>
+          <a:lstStyle/>
+          <a:p>
+            <a:fld id="{E31375A4-56A4-47D6-9801-1991572033F7}" type="slidenum">
+              <a:rPr lang="de-DE" smtClean="0"/>
+              <a:t>9</a:t>
+            </a:fld>
+            <a:endParaRPr lang="de-DE" dirty="0"/>
+          </a:p>
+        </p:txBody>
+      </p:sp>
+    </p:spTree>
+    <p:extLst>
+      <p:ext uri="{BB962C8B-B14F-4D97-AF65-F5344CB8AC3E}">
+        <p14:creationId xmlns:p14="http://schemas.microsoft.com/office/powerpoint/2010/main" val="1304122111"/>
       </p:ext>
     </p:extLst>
   </p:cSld>
@@ -5677,6 +9451,92 @@
 </a:theme>
 </file>
 
+<file path=ppt/theme/themeOverride1.xml><?xml version="1.0" encoding="utf-8"?>
+<a:themeOverride xmlns:a="http://schemas.openxmlformats.org/drawingml/2006/main">
+  <a:clrScheme name="BlueTanGradient">
+    <a:dk1>
+      <a:srgbClr val="31312F"/>
+    </a:dk1>
+    <a:lt1>
+      <a:sysClr val="window" lastClr="FFFFFF"/>
+    </a:lt1>
+    <a:dk2>
+      <a:srgbClr val="000000"/>
+    </a:dk2>
+    <a:lt2>
+      <a:srgbClr val="D9CBB9"/>
+    </a:lt2>
+    <a:accent1>
+      <a:srgbClr val="52AC97"/>
+    </a:accent1>
+    <a:accent2>
+      <a:srgbClr val="B79E6D"/>
+    </a:accent2>
+    <a:accent3>
+      <a:srgbClr val="478BA9"/>
+    </a:accent3>
+    <a:accent4>
+      <a:srgbClr val="BF4F39"/>
+    </a:accent4>
+    <a:accent5>
+      <a:srgbClr val="826C8E"/>
+    </a:accent5>
+    <a:accent6>
+      <a:srgbClr val="D58637"/>
+    </a:accent6>
+    <a:hlink>
+      <a:srgbClr val="52AC97"/>
+    </a:hlink>
+    <a:folHlink>
+      <a:srgbClr val="969696"/>
+    </a:folHlink>
+  </a:clrScheme>
+</a:themeOverride>
+</file>
+
+<file path=ppt/theme/themeOverride2.xml><?xml version="1.0" encoding="utf-8"?>
+<a:themeOverride xmlns:a="http://schemas.openxmlformats.org/drawingml/2006/main">
+  <a:clrScheme name="BlueTanGradient">
+    <a:dk1>
+      <a:srgbClr val="31312F"/>
+    </a:dk1>
+    <a:lt1>
+      <a:sysClr val="window" lastClr="FFFFFF"/>
+    </a:lt1>
+    <a:dk2>
+      <a:srgbClr val="000000"/>
+    </a:dk2>
+    <a:lt2>
+      <a:srgbClr val="D9CBB9"/>
+    </a:lt2>
+    <a:accent1>
+      <a:srgbClr val="52AC97"/>
+    </a:accent1>
+    <a:accent2>
+      <a:srgbClr val="B79E6D"/>
+    </a:accent2>
+    <a:accent3>
+      <a:srgbClr val="478BA9"/>
+    </a:accent3>
+    <a:accent4>
+      <a:srgbClr val="BF4F39"/>
+    </a:accent4>
+    <a:accent5>
+      <a:srgbClr val="826C8E"/>
+    </a:accent5>
+    <a:accent6>
+      <a:srgbClr val="D58637"/>
+    </a:accent6>
+    <a:hlink>
+      <a:srgbClr val="52AC97"/>
+    </a:hlink>
+    <a:folHlink>
+      <a:srgbClr val="969696"/>
+    </a:folHlink>
+  </a:clrScheme>
+</a:themeOverride>
+</file>
+
 <file path=customXml/item1.xml><?xml version="1.0" encoding="utf-8"?>
 <?mso-contentType ?>
 <FormTemplates xmlns="http://schemas.microsoft.com/sharepoint/v3/contenttype/forms">
